--- a/slides/10802/Python進階程式設計/[W1] Basic Python3.pptx
+++ b/slides/10802/Python進階程式設計/[W1] Basic Python3.pptx
@@ -5,7 +5,7 @@
     <p:sldMasterId id="2147483699" r:id="rId1"/>
   </p:sldMasterIdLst>
   <p:notesMasterIdLst>
-    <p:notesMasterId r:id="rId33"/>
+    <p:notesMasterId r:id="rId32"/>
   </p:notesMasterIdLst>
   <p:sldIdLst>
     <p:sldId id="272" r:id="rId2"/>
@@ -25,20 +25,19 @@
     <p:sldId id="279" r:id="rId16"/>
     <p:sldId id="280" r:id="rId17"/>
     <p:sldId id="281" r:id="rId18"/>
-    <p:sldId id="282" r:id="rId19"/>
-    <p:sldId id="268" r:id="rId20"/>
-    <p:sldId id="269" r:id="rId21"/>
-    <p:sldId id="270" r:id="rId22"/>
-    <p:sldId id="271" r:id="rId23"/>
-    <p:sldId id="274" r:id="rId24"/>
-    <p:sldId id="275" r:id="rId25"/>
-    <p:sldId id="276" r:id="rId26"/>
-    <p:sldId id="277" r:id="rId27"/>
-    <p:sldId id="278" r:id="rId28"/>
-    <p:sldId id="284" r:id="rId29"/>
-    <p:sldId id="283" r:id="rId30"/>
-    <p:sldId id="286" r:id="rId31"/>
-    <p:sldId id="287" r:id="rId32"/>
+    <p:sldId id="268" r:id="rId19"/>
+    <p:sldId id="269" r:id="rId20"/>
+    <p:sldId id="270" r:id="rId21"/>
+    <p:sldId id="271" r:id="rId22"/>
+    <p:sldId id="274" r:id="rId23"/>
+    <p:sldId id="275" r:id="rId24"/>
+    <p:sldId id="276" r:id="rId25"/>
+    <p:sldId id="277" r:id="rId26"/>
+    <p:sldId id="278" r:id="rId27"/>
+    <p:sldId id="284" r:id="rId28"/>
+    <p:sldId id="283" r:id="rId29"/>
+    <p:sldId id="286" r:id="rId30"/>
+    <p:sldId id="287" r:id="rId31"/>
   </p:sldIdLst>
   <p:sldSz cx="12192000" cy="6858000"/>
   <p:notesSz cx="6858000" cy="9144000"/>
@@ -227,7 +226,7 @@
           <a:p>
             <a:fld id="{08DA1A7F-25CC-4EA7-87D1-B9E074694B82}" type="datetimeFigureOut">
               <a:rPr lang="zh-TW" altLang="en-US" smtClean="0"/>
-              <a:t>2019/9/10</a:t>
+              <a:t>2020/3/13</a:t>
             </a:fld>
             <a:endParaRPr lang="zh-TW" altLang="en-US"/>
           </a:p>
@@ -675,7 +674,7 @@
           <a:p>
             <a:fld id="{D6AF7C5A-7361-41EC-9294-DE43248F7683}" type="slidenum">
               <a:rPr lang="zh-TW" altLang="en-US" smtClean="0"/>
-              <a:t>19</a:t>
+              <a:t>18</a:t>
             </a:fld>
             <a:endParaRPr lang="zh-TW" altLang="en-US"/>
           </a:p>
@@ -766,7 +765,7 @@
           <a:p>
             <a:fld id="{D6AF7C5A-7361-41EC-9294-DE43248F7683}" type="slidenum">
               <a:rPr lang="zh-TW" altLang="en-US" smtClean="0"/>
-              <a:t>21</a:t>
+              <a:t>20</a:t>
             </a:fld>
             <a:endParaRPr lang="zh-TW" altLang="en-US"/>
           </a:p>
@@ -857,7 +856,7 @@
           <a:p>
             <a:fld id="{D6AF7C5A-7361-41EC-9294-DE43248F7683}" type="slidenum">
               <a:rPr lang="zh-TW" altLang="en-US" smtClean="0"/>
-              <a:t>22</a:t>
+              <a:t>21</a:t>
             </a:fld>
             <a:endParaRPr lang="zh-TW" altLang="en-US"/>
           </a:p>
@@ -976,7 +975,7 @@
           <a:p>
             <a:fld id="{68E7DB36-9E67-4323-852E-B368C0D6C23B}" type="slidenum">
               <a:rPr lang="zh-TW" altLang="en-US" smtClean="0"/>
-              <a:t>29</a:t>
+              <a:t>28</a:t>
             </a:fld>
             <a:endParaRPr lang="zh-TW" altLang="en-US"/>
           </a:p>
@@ -1077,7 +1076,7 @@
           <a:p>
             <a:fld id="{68E7DB36-9E67-4323-852E-B368C0D6C23B}" type="slidenum">
               <a:rPr lang="zh-TW" altLang="en-US" smtClean="0"/>
-              <a:t>30</a:t>
+              <a:t>29</a:t>
             </a:fld>
             <a:endParaRPr lang="zh-TW" altLang="en-US"/>
           </a:p>
@@ -9919,61 +9918,595 @@
       </p:grpSpPr>
       <p:sp>
         <p:nvSpPr>
-          <p:cNvPr id="5" name="標題 4"/>
-          <p:cNvSpPr>
-            <a:spLocks noGrp="1"/>
-          </p:cNvSpPr>
-          <p:nvPr>
-            <p:ph type="title"/>
-          </p:nvPr>
-        </p:nvSpPr>
-        <p:spPr/>
-        <p:txBody>
-          <a:bodyPr>
-            <a:normAutofit/>
+          <p:cNvPr id="76" name="文本框 58"/>
+          <p:cNvSpPr txBox="1"/>
+          <p:nvPr/>
+        </p:nvSpPr>
+        <p:spPr>
+          <a:xfrm>
+            <a:off x="4421839" y="799320"/>
+            <a:ext cx="5549751" cy="707886"/>
+          </a:xfrm>
+          <a:prstGeom prst="rect">
+            <a:avLst/>
+          </a:prstGeom>
+          <a:noFill/>
+        </p:spPr>
+        <p:txBody>
+          <a:bodyPr wrap="square" rtlCol="0">
+            <a:spAutoFit/>
           </a:bodyPr>
           <a:lstStyle/>
           <a:p>
-            <a:pPr algn="ctr"/>
-            <a:r>
-              <a:rPr lang="zh-TW" altLang="en-US" sz="4000" b="1" dirty="0" smtClean="0">
-                <a:latin typeface="微軟正黑體" panose="020B0604030504040204" pitchFamily="34" charset="-120"/>
-                <a:ea typeface="微軟正黑體" panose="020B0604030504040204" pitchFamily="34" charset="-120"/>
-              </a:rPr>
-              <a:t>進階用</a:t>
-            </a:r>
-            <a:r>
-              <a:rPr lang="zh-TW" altLang="en-US" sz="4000" b="1" dirty="0">
-                <a:latin typeface="微軟正黑體" panose="020B0604030504040204" pitchFamily="34" charset="-120"/>
-                <a:ea typeface="微軟正黑體" panose="020B0604030504040204" pitchFamily="34" charset="-120"/>
-              </a:rPr>
-              <a:t>法</a:t>
-            </a:r>
-          </a:p>
-        </p:txBody>
-      </p:sp>
-      <p:sp>
-        <p:nvSpPr>
-          <p:cNvPr id="6" name="內容版面配置區 5"/>
-          <p:cNvSpPr>
-            <a:spLocks noGrp="1"/>
-          </p:cNvSpPr>
-          <p:nvPr>
-            <p:ph idx="1"/>
-          </p:nvPr>
-        </p:nvSpPr>
-        <p:spPr/>
-        <p:txBody>
-          <a:bodyPr/>
-          <a:lstStyle/>
-          <a:p>
-            <a:endParaRPr lang="zh-TW" altLang="en-US" dirty="0"/>
-          </a:p>
-        </p:txBody>
-      </p:sp>
-      <p:sp>
-        <p:nvSpPr>
-          <p:cNvPr id="4" name="投影片編號版面配置區 3"/>
+            <a:r>
+              <a:rPr lang="en-US" altLang="zh-CN" sz="4000" dirty="0">
+                <a:latin typeface="微軟正黑體" panose="020B0604030504040204" pitchFamily="34" charset="-120"/>
+                <a:ea typeface="微軟正黑體" panose="020B0604030504040204" pitchFamily="34" charset="-120"/>
+              </a:rPr>
+              <a:t>if…else…</a:t>
+            </a:r>
+            <a:endParaRPr lang="zh-CN" altLang="en-US" sz="4000" dirty="0">
+              <a:latin typeface="微軟正黑體" panose="020B0604030504040204" pitchFamily="34" charset="-120"/>
+              <a:ea typeface="微軟正黑體" panose="020B0604030504040204" pitchFamily="34" charset="-120"/>
+            </a:endParaRPr>
+          </a:p>
+        </p:txBody>
+      </p:sp>
+      <p:sp>
+        <p:nvSpPr>
+          <p:cNvPr id="59" name="文字方塊 58"/>
+          <p:cNvSpPr txBox="1"/>
+          <p:nvPr/>
+        </p:nvSpPr>
+        <p:spPr>
+          <a:xfrm>
+            <a:off x="2535844" y="2285649"/>
+            <a:ext cx="3559244" cy="1938992"/>
+          </a:xfrm>
+          <a:prstGeom prst="rect">
+            <a:avLst/>
+          </a:prstGeom>
+          <a:noFill/>
+        </p:spPr>
+        <p:txBody>
+          <a:bodyPr wrap="none" rtlCol="0">
+            <a:spAutoFit/>
+          </a:bodyPr>
+          <a:lstStyle/>
+          <a:p>
+            <a:r>
+              <a:rPr lang="en-US" altLang="zh-TW" sz="2000" dirty="0">
+                <a:latin typeface="微軟正黑體" panose="020B0604030504040204" pitchFamily="34" charset="-120"/>
+                <a:ea typeface="微軟正黑體" panose="020B0604030504040204" pitchFamily="34" charset="-120"/>
+              </a:rPr>
+              <a:t>&gt;&gt;&gt; numbers = []</a:t>
+            </a:r>
+          </a:p>
+          <a:p>
+            <a:r>
+              <a:rPr lang="en-US" altLang="zh-TW" sz="2000" dirty="0">
+                <a:latin typeface="微軟正黑體" panose="020B0604030504040204" pitchFamily="34" charset="-120"/>
+                <a:ea typeface="微軟正黑體" panose="020B0604030504040204" pitchFamily="34" charset="-120"/>
+              </a:rPr>
+              <a:t>&gt;&gt;&gt; for</a:t>
+            </a:r>
+            <a:r>
+              <a:rPr lang="en-US" altLang="zh-TW" sz="2000" dirty="0">
+                <a:solidFill>
+                  <a:srgbClr val="FFFF00"/>
+                </a:solidFill>
+                <a:latin typeface="微軟正黑體" panose="020B0604030504040204" pitchFamily="34" charset="-120"/>
+                <a:ea typeface="微軟正黑體" panose="020B0604030504040204" pitchFamily="34" charset="-120"/>
+              </a:rPr>
+              <a:t> </a:t>
+            </a:r>
+            <a:r>
+              <a:rPr lang="en-US" altLang="zh-TW" sz="2000" dirty="0" err="1">
+                <a:solidFill>
+                  <a:srgbClr val="FFFF00"/>
+                </a:solidFill>
+                <a:latin typeface="微軟正黑體" panose="020B0604030504040204" pitchFamily="34" charset="-120"/>
+                <a:ea typeface="微軟正黑體" panose="020B0604030504040204" pitchFamily="34" charset="-120"/>
+              </a:rPr>
+              <a:t>i</a:t>
+            </a:r>
+            <a:r>
+              <a:rPr lang="en-US" altLang="zh-TW" sz="2000" dirty="0">
+                <a:solidFill>
+                  <a:srgbClr val="FFFF00"/>
+                </a:solidFill>
+                <a:latin typeface="微軟正黑體" panose="020B0604030504040204" pitchFamily="34" charset="-120"/>
+                <a:ea typeface="微軟正黑體" panose="020B0604030504040204" pitchFamily="34" charset="-120"/>
+              </a:rPr>
+              <a:t> </a:t>
+            </a:r>
+            <a:r>
+              <a:rPr lang="en-US" altLang="zh-TW" sz="2000" dirty="0">
+                <a:latin typeface="微軟正黑體" panose="020B0604030504040204" pitchFamily="34" charset="-120"/>
+                <a:ea typeface="微軟正黑體" panose="020B0604030504040204" pitchFamily="34" charset="-120"/>
+              </a:rPr>
+              <a:t>in range(</a:t>
+            </a:r>
+            <a:r>
+              <a:rPr lang="en-US" altLang="zh-TW" sz="2000" dirty="0">
+                <a:solidFill>
+                  <a:srgbClr val="FFFF00"/>
+                </a:solidFill>
+                <a:latin typeface="微軟正黑體" panose="020B0604030504040204" pitchFamily="34" charset="-120"/>
+                <a:ea typeface="微軟正黑體" panose="020B0604030504040204" pitchFamily="34" charset="-120"/>
+              </a:rPr>
+              <a:t>10</a:t>
+            </a:r>
+            <a:r>
+              <a:rPr lang="en-US" altLang="zh-TW" sz="2000" dirty="0">
+                <a:latin typeface="微軟正黑體" panose="020B0604030504040204" pitchFamily="34" charset="-120"/>
+                <a:ea typeface="微軟正黑體" panose="020B0604030504040204" pitchFamily="34" charset="-120"/>
+              </a:rPr>
+              <a:t>):</a:t>
+            </a:r>
+          </a:p>
+          <a:p>
+            <a:r>
+              <a:rPr lang="zh-TW" altLang="en-US" sz="2000" dirty="0">
+                <a:latin typeface="微軟正黑體" panose="020B0604030504040204" pitchFamily="34" charset="-120"/>
+                <a:ea typeface="微軟正黑體" panose="020B0604030504040204" pitchFamily="34" charset="-120"/>
+              </a:rPr>
+              <a:t>                 </a:t>
+            </a:r>
+            <a:r>
+              <a:rPr lang="en-US" altLang="zh-TW" sz="2000" dirty="0" err="1">
+                <a:latin typeface="微軟正黑體" panose="020B0604030504040204" pitchFamily="34" charset="-120"/>
+                <a:ea typeface="微軟正黑體" panose="020B0604030504040204" pitchFamily="34" charset="-120"/>
+              </a:rPr>
+              <a:t>numbers.append</a:t>
+            </a:r>
+            <a:r>
+              <a:rPr lang="en-US" altLang="zh-TW" sz="2000" dirty="0">
+                <a:latin typeface="微軟正黑體" panose="020B0604030504040204" pitchFamily="34" charset="-120"/>
+                <a:ea typeface="微軟正黑體" panose="020B0604030504040204" pitchFamily="34" charset="-120"/>
+              </a:rPr>
+              <a:t>(</a:t>
+            </a:r>
+            <a:r>
+              <a:rPr lang="en-US" altLang="zh-TW" sz="2000" dirty="0" err="1">
+                <a:solidFill>
+                  <a:srgbClr val="FFFF00"/>
+                </a:solidFill>
+                <a:latin typeface="微軟正黑體" panose="020B0604030504040204" pitchFamily="34" charset="-120"/>
+                <a:ea typeface="微軟正黑體" panose="020B0604030504040204" pitchFamily="34" charset="-120"/>
+              </a:rPr>
+              <a:t>i</a:t>
+            </a:r>
+            <a:r>
+              <a:rPr lang="en-US" altLang="zh-TW" sz="2000" dirty="0">
+                <a:latin typeface="微軟正黑體" panose="020B0604030504040204" pitchFamily="34" charset="-120"/>
+                <a:ea typeface="微軟正黑體" panose="020B0604030504040204" pitchFamily="34" charset="-120"/>
+              </a:rPr>
+              <a:t>)</a:t>
+            </a:r>
+          </a:p>
+          <a:p>
+            <a:endParaRPr lang="en-US" altLang="zh-TW" sz="2000" dirty="0">
+              <a:latin typeface="微軟正黑體" panose="020B0604030504040204" pitchFamily="34" charset="-120"/>
+              <a:ea typeface="微軟正黑體" panose="020B0604030504040204" pitchFamily="34" charset="-120"/>
+            </a:endParaRPr>
+          </a:p>
+          <a:p>
+            <a:r>
+              <a:rPr lang="en-US" altLang="zh-TW" sz="2000" dirty="0">
+                <a:latin typeface="微軟正黑體" panose="020B0604030504040204" pitchFamily="34" charset="-120"/>
+                <a:ea typeface="微軟正黑體" panose="020B0604030504040204" pitchFamily="34" charset="-120"/>
+              </a:rPr>
+              <a:t>&gt;&gt;&gt;</a:t>
+            </a:r>
+            <a:r>
+              <a:rPr lang="zh-TW" altLang="en-US" sz="2000" dirty="0">
+                <a:latin typeface="微軟正黑體" panose="020B0604030504040204" pitchFamily="34" charset="-120"/>
+                <a:ea typeface="微軟正黑體" panose="020B0604030504040204" pitchFamily="34" charset="-120"/>
+              </a:rPr>
+              <a:t> </a:t>
+            </a:r>
+            <a:r>
+              <a:rPr lang="en-US" altLang="zh-TW" sz="2000" dirty="0">
+                <a:latin typeface="微軟正黑體" panose="020B0604030504040204" pitchFamily="34" charset="-120"/>
+                <a:ea typeface="微軟正黑體" panose="020B0604030504040204" pitchFamily="34" charset="-120"/>
+              </a:rPr>
+              <a:t>numbers</a:t>
+            </a:r>
+          </a:p>
+          <a:p>
+            <a:r>
+              <a:rPr lang="en-US" altLang="zh-TW" sz="2000" dirty="0">
+                <a:latin typeface="微軟正黑體" panose="020B0604030504040204" pitchFamily="34" charset="-120"/>
+                <a:ea typeface="微軟正黑體" panose="020B0604030504040204" pitchFamily="34" charset="-120"/>
+              </a:rPr>
+              <a:t>[0, 1, 2, 3, 4, 5, 6, 7, 8, 9]</a:t>
+            </a:r>
+          </a:p>
+        </p:txBody>
+      </p:sp>
+      <p:sp>
+        <p:nvSpPr>
+          <p:cNvPr id="4" name="矩形 3"/>
+          <p:cNvSpPr/>
+          <p:nvPr/>
+        </p:nvSpPr>
+        <p:spPr>
+          <a:xfrm>
+            <a:off x="6285313" y="1918312"/>
+            <a:ext cx="3903601" cy="3477875"/>
+          </a:xfrm>
+          <a:prstGeom prst="rect">
+            <a:avLst/>
+          </a:prstGeom>
+        </p:spPr>
+        <p:txBody>
+          <a:bodyPr wrap="square">
+            <a:spAutoFit/>
+          </a:bodyPr>
+          <a:lstStyle/>
+          <a:p>
+            <a:r>
+              <a:rPr lang="en-US" altLang="zh-TW" sz="2000" dirty="0">
+                <a:solidFill>
+                  <a:srgbClr val="92D050"/>
+                </a:solidFill>
+                <a:latin typeface="微軟正黑體" panose="020B0604030504040204" pitchFamily="34" charset="-120"/>
+                <a:ea typeface="微軟正黑體" panose="020B0604030504040204" pitchFamily="34" charset="-120"/>
+              </a:rPr>
+              <a:t>#</a:t>
+            </a:r>
+            <a:r>
+              <a:rPr lang="zh-TW" altLang="en-US" sz="2000" dirty="0">
+                <a:solidFill>
+                  <a:srgbClr val="92D050"/>
+                </a:solidFill>
+                <a:latin typeface="微軟正黑體" panose="020B0604030504040204" pitchFamily="34" charset="-120"/>
+                <a:ea typeface="微軟正黑體" panose="020B0604030504040204" pitchFamily="34" charset="-120"/>
+              </a:rPr>
+              <a:t>簡寫</a:t>
+            </a:r>
+            <a:endParaRPr lang="en-US" altLang="zh-TW" sz="2000" dirty="0">
+              <a:solidFill>
+                <a:srgbClr val="92D050"/>
+              </a:solidFill>
+              <a:latin typeface="微軟正黑體" panose="020B0604030504040204" pitchFamily="34" charset="-120"/>
+              <a:ea typeface="微軟正黑體" panose="020B0604030504040204" pitchFamily="34" charset="-120"/>
+            </a:endParaRPr>
+          </a:p>
+          <a:p>
+            <a:r>
+              <a:rPr lang="en-US" altLang="zh-TW" sz="2000" dirty="0">
+                <a:latin typeface="微軟正黑體" panose="020B0604030504040204" pitchFamily="34" charset="-120"/>
+                <a:ea typeface="微軟正黑體" panose="020B0604030504040204" pitchFamily="34" charset="-120"/>
+              </a:rPr>
+              <a:t>numbers = [ </a:t>
+            </a:r>
+            <a:r>
+              <a:rPr lang="en-US" altLang="zh-TW" sz="2000" dirty="0" err="1">
+                <a:solidFill>
+                  <a:srgbClr val="FFFF00"/>
+                </a:solidFill>
+                <a:latin typeface="微軟正黑體" panose="020B0604030504040204" pitchFamily="34" charset="-120"/>
+                <a:ea typeface="微軟正黑體" panose="020B0604030504040204" pitchFamily="34" charset="-120"/>
+              </a:rPr>
+              <a:t>i</a:t>
+            </a:r>
+            <a:r>
+              <a:rPr lang="en-US" altLang="zh-TW" sz="2000" dirty="0">
+                <a:latin typeface="微軟正黑體" panose="020B0604030504040204" pitchFamily="34" charset="-120"/>
+                <a:ea typeface="微軟正黑體" panose="020B0604030504040204" pitchFamily="34" charset="-120"/>
+              </a:rPr>
+              <a:t> for </a:t>
+            </a:r>
+            <a:r>
+              <a:rPr lang="en-US" altLang="zh-TW" sz="2000" dirty="0" err="1">
+                <a:solidFill>
+                  <a:srgbClr val="FFFF00"/>
+                </a:solidFill>
+                <a:latin typeface="微軟正黑體" panose="020B0604030504040204" pitchFamily="34" charset="-120"/>
+                <a:ea typeface="微軟正黑體" panose="020B0604030504040204" pitchFamily="34" charset="-120"/>
+              </a:rPr>
+              <a:t>i</a:t>
+            </a:r>
+            <a:r>
+              <a:rPr lang="en-US" altLang="zh-TW" sz="2000" dirty="0">
+                <a:latin typeface="微軟正黑體" panose="020B0604030504040204" pitchFamily="34" charset="-120"/>
+                <a:ea typeface="微軟正黑體" panose="020B0604030504040204" pitchFamily="34" charset="-120"/>
+              </a:rPr>
+              <a:t> in range(</a:t>
+            </a:r>
+            <a:r>
+              <a:rPr lang="en-US" altLang="zh-TW" sz="2000" dirty="0">
+                <a:solidFill>
+                  <a:srgbClr val="FFFF00"/>
+                </a:solidFill>
+                <a:latin typeface="微軟正黑體" panose="020B0604030504040204" pitchFamily="34" charset="-120"/>
+                <a:ea typeface="微軟正黑體" panose="020B0604030504040204" pitchFamily="34" charset="-120"/>
+              </a:rPr>
+              <a:t>10</a:t>
+            </a:r>
+            <a:r>
+              <a:rPr lang="en-US" altLang="zh-TW" sz="2000" dirty="0">
+                <a:latin typeface="微軟正黑體" panose="020B0604030504040204" pitchFamily="34" charset="-120"/>
+                <a:ea typeface="微軟正黑體" panose="020B0604030504040204" pitchFamily="34" charset="-120"/>
+              </a:rPr>
+              <a:t>) ]</a:t>
+            </a:r>
+          </a:p>
+          <a:p>
+            <a:r>
+              <a:rPr lang="en-US" altLang="zh-TW" sz="2000" dirty="0">
+                <a:latin typeface="微軟正黑體" panose="020B0604030504040204" pitchFamily="34" charset="-120"/>
+                <a:ea typeface="微軟正黑體" panose="020B0604030504040204" pitchFamily="34" charset="-120"/>
+              </a:rPr>
+              <a:t>[0, 1, 2, 3, 4, 5, 6, 7, 8, 9]</a:t>
+            </a:r>
+          </a:p>
+          <a:p>
+            <a:r>
+              <a:rPr lang="en-US" altLang="zh-TW" sz="2000" dirty="0">
+                <a:latin typeface="微軟正黑體" panose="020B0604030504040204" pitchFamily="34" charset="-120"/>
+                <a:ea typeface="微軟正黑體" panose="020B0604030504040204" pitchFamily="34" charset="-120"/>
+              </a:rPr>
+              <a:t>---------------------------------</a:t>
+            </a:r>
+          </a:p>
+          <a:p>
+            <a:r>
+              <a:rPr lang="en-US" altLang="zh-TW" sz="2000" dirty="0">
+                <a:latin typeface="微軟正黑體" panose="020B0604030504040204" pitchFamily="34" charset="-120"/>
+                <a:ea typeface="微軟正黑體" panose="020B0604030504040204" pitchFamily="34" charset="-120"/>
+              </a:rPr>
+              <a:t>for </a:t>
+            </a:r>
+            <a:r>
+              <a:rPr lang="en-US" altLang="zh-TW" sz="2000" dirty="0" err="1">
+                <a:latin typeface="微軟正黑體" panose="020B0604030504040204" pitchFamily="34" charset="-120"/>
+                <a:ea typeface="微軟正黑體" panose="020B0604030504040204" pitchFamily="34" charset="-120"/>
+              </a:rPr>
+              <a:t>i</a:t>
+            </a:r>
+            <a:r>
+              <a:rPr lang="en-US" altLang="zh-TW" sz="2000" dirty="0">
+                <a:latin typeface="微軟正黑體" panose="020B0604030504040204" pitchFamily="34" charset="-120"/>
+                <a:ea typeface="微軟正黑體" panose="020B0604030504040204" pitchFamily="34" charset="-120"/>
+              </a:rPr>
+              <a:t> in range(</a:t>
+            </a:r>
+            <a:r>
+              <a:rPr lang="en-US" altLang="zh-TW" sz="2000" dirty="0" err="1">
+                <a:latin typeface="微軟正黑體" panose="020B0604030504040204" pitchFamily="34" charset="-120"/>
+                <a:ea typeface="微軟正黑體" panose="020B0604030504040204" pitchFamily="34" charset="-120"/>
+              </a:rPr>
+              <a:t>len</a:t>
+            </a:r>
+            <a:r>
+              <a:rPr lang="en-US" altLang="zh-TW" sz="2000" dirty="0">
+                <a:latin typeface="微軟正黑體" panose="020B0604030504040204" pitchFamily="34" charset="-120"/>
+                <a:ea typeface="微軟正黑體" panose="020B0604030504040204" pitchFamily="34" charset="-120"/>
+              </a:rPr>
+              <a:t>(numbers)):</a:t>
+            </a:r>
+          </a:p>
+          <a:p>
+            <a:r>
+              <a:rPr lang="en-US" altLang="zh-TW" sz="2000" dirty="0">
+                <a:latin typeface="微軟正黑體" panose="020B0604030504040204" pitchFamily="34" charset="-120"/>
+                <a:ea typeface="微軟正黑體" panose="020B0604030504040204" pitchFamily="34" charset="-120"/>
+              </a:rPr>
+              <a:t>    if( </a:t>
+            </a:r>
+            <a:r>
+              <a:rPr lang="en-US" altLang="zh-TW" sz="2000" dirty="0" err="1">
+                <a:solidFill>
+                  <a:srgbClr val="00B050"/>
+                </a:solidFill>
+                <a:latin typeface="微軟正黑體" panose="020B0604030504040204" pitchFamily="34" charset="-120"/>
+                <a:ea typeface="微軟正黑體" panose="020B0604030504040204" pitchFamily="34" charset="-120"/>
+              </a:rPr>
+              <a:t>i</a:t>
+            </a:r>
+            <a:r>
+              <a:rPr lang="en-US" altLang="zh-TW" sz="2000" dirty="0">
+                <a:solidFill>
+                  <a:srgbClr val="00B050"/>
+                </a:solidFill>
+                <a:latin typeface="微軟正黑體" panose="020B0604030504040204" pitchFamily="34" charset="-120"/>
+                <a:ea typeface="微軟正黑體" panose="020B0604030504040204" pitchFamily="34" charset="-120"/>
+              </a:rPr>
+              <a:t> == 0 </a:t>
+            </a:r>
+            <a:r>
+              <a:rPr lang="en-US" altLang="zh-TW" sz="2000" dirty="0">
+                <a:latin typeface="微軟正黑體" panose="020B0604030504040204" pitchFamily="34" charset="-120"/>
+                <a:ea typeface="微軟正黑體" panose="020B0604030504040204" pitchFamily="34" charset="-120"/>
+              </a:rPr>
+              <a:t>):</a:t>
+            </a:r>
+          </a:p>
+          <a:p>
+            <a:r>
+              <a:rPr lang="en-US" altLang="zh-TW" sz="2000" dirty="0">
+                <a:latin typeface="微軟正黑體" panose="020B0604030504040204" pitchFamily="34" charset="-120"/>
+                <a:ea typeface="微軟正黑體" panose="020B0604030504040204" pitchFamily="34" charset="-120"/>
+              </a:rPr>
+              <a:t>        print(</a:t>
+            </a:r>
+            <a:r>
+              <a:rPr lang="en-US" altLang="zh-TW" sz="2000" dirty="0" err="1">
+                <a:latin typeface="微軟正黑體" panose="020B0604030504040204" pitchFamily="34" charset="-120"/>
+                <a:ea typeface="微軟正黑體" panose="020B0604030504040204" pitchFamily="34" charset="-120"/>
+              </a:rPr>
+              <a:t>i</a:t>
+            </a:r>
+            <a:r>
+              <a:rPr lang="en-US" altLang="zh-TW" sz="2000" dirty="0">
+                <a:latin typeface="微軟正黑體" panose="020B0604030504040204" pitchFamily="34" charset="-120"/>
+                <a:ea typeface="微軟正黑體" panose="020B0604030504040204" pitchFamily="34" charset="-120"/>
+              </a:rPr>
+              <a:t>, '</a:t>
+            </a:r>
+            <a:r>
+              <a:rPr lang="zh-TW" altLang="en-US" sz="2000" dirty="0">
+                <a:latin typeface="微軟正黑體" panose="020B0604030504040204" pitchFamily="34" charset="-120"/>
+                <a:ea typeface="微軟正黑體" panose="020B0604030504040204" pitchFamily="34" charset="-120"/>
+              </a:rPr>
+              <a:t>是奇數也是偶數</a:t>
+            </a:r>
+            <a:r>
+              <a:rPr lang="en-US" altLang="zh-TW" sz="2000" dirty="0">
+                <a:latin typeface="微軟正黑體" panose="020B0604030504040204" pitchFamily="34" charset="-120"/>
+                <a:ea typeface="微軟正黑體" panose="020B0604030504040204" pitchFamily="34" charset="-120"/>
+              </a:rPr>
+              <a:t>')</a:t>
+            </a:r>
+          </a:p>
+          <a:p>
+            <a:r>
+              <a:rPr lang="en-US" altLang="zh-TW" sz="2000" dirty="0">
+                <a:latin typeface="微軟正黑體" panose="020B0604030504040204" pitchFamily="34" charset="-120"/>
+                <a:ea typeface="微軟正黑體" panose="020B0604030504040204" pitchFamily="34" charset="-120"/>
+              </a:rPr>
+              <a:t>    </a:t>
+            </a:r>
+            <a:r>
+              <a:rPr lang="en-US" altLang="zh-TW" sz="2000" dirty="0" err="1">
+                <a:solidFill>
+                  <a:srgbClr val="FFFF00"/>
+                </a:solidFill>
+                <a:latin typeface="微軟正黑體" panose="020B0604030504040204" pitchFamily="34" charset="-120"/>
+                <a:ea typeface="微軟正黑體" panose="020B0604030504040204" pitchFamily="34" charset="-120"/>
+              </a:rPr>
+              <a:t>elif</a:t>
+            </a:r>
+            <a:r>
+              <a:rPr lang="en-US" altLang="zh-TW" sz="2000" dirty="0">
+                <a:latin typeface="微軟正黑體" panose="020B0604030504040204" pitchFamily="34" charset="-120"/>
+                <a:ea typeface="微軟正黑體" panose="020B0604030504040204" pitchFamily="34" charset="-120"/>
+              </a:rPr>
+              <a:t>( </a:t>
+            </a:r>
+            <a:r>
+              <a:rPr lang="en-US" altLang="zh-TW" sz="2000" dirty="0" err="1">
+                <a:solidFill>
+                  <a:srgbClr val="00B050"/>
+                </a:solidFill>
+                <a:latin typeface="微軟正黑體" panose="020B0604030504040204" pitchFamily="34" charset="-120"/>
+                <a:ea typeface="微軟正黑體" panose="020B0604030504040204" pitchFamily="34" charset="-120"/>
+              </a:rPr>
+              <a:t>i</a:t>
+            </a:r>
+            <a:r>
+              <a:rPr lang="en-US" altLang="zh-TW" sz="2000" dirty="0">
+                <a:solidFill>
+                  <a:srgbClr val="00B050"/>
+                </a:solidFill>
+                <a:latin typeface="微軟正黑體" panose="020B0604030504040204" pitchFamily="34" charset="-120"/>
+                <a:ea typeface="微軟正黑體" panose="020B0604030504040204" pitchFamily="34" charset="-120"/>
+              </a:rPr>
+              <a:t> % 2 == 1 </a:t>
+            </a:r>
+            <a:r>
+              <a:rPr lang="en-US" altLang="zh-TW" sz="2000" dirty="0">
+                <a:latin typeface="微軟正黑體" panose="020B0604030504040204" pitchFamily="34" charset="-120"/>
+                <a:ea typeface="微軟正黑體" panose="020B0604030504040204" pitchFamily="34" charset="-120"/>
+              </a:rPr>
+              <a:t>):</a:t>
+            </a:r>
+          </a:p>
+          <a:p>
+            <a:r>
+              <a:rPr lang="en-US" altLang="zh-TW" sz="2000" dirty="0">
+                <a:latin typeface="微軟正黑體" panose="020B0604030504040204" pitchFamily="34" charset="-120"/>
+                <a:ea typeface="微軟正黑體" panose="020B0604030504040204" pitchFamily="34" charset="-120"/>
+              </a:rPr>
+              <a:t>        print( </a:t>
+            </a:r>
+            <a:r>
+              <a:rPr lang="en-US" altLang="zh-TW" sz="2000" dirty="0" err="1">
+                <a:latin typeface="微軟正黑體" panose="020B0604030504040204" pitchFamily="34" charset="-120"/>
+                <a:ea typeface="微軟正黑體" panose="020B0604030504040204" pitchFamily="34" charset="-120"/>
+              </a:rPr>
+              <a:t>i</a:t>
+            </a:r>
+            <a:r>
+              <a:rPr lang="en-US" altLang="zh-TW" sz="2000" dirty="0">
+                <a:latin typeface="微軟正黑體" panose="020B0604030504040204" pitchFamily="34" charset="-120"/>
+                <a:ea typeface="微軟正黑體" panose="020B0604030504040204" pitchFamily="34" charset="-120"/>
+              </a:rPr>
+              <a:t>, '</a:t>
+            </a:r>
+            <a:r>
+              <a:rPr lang="zh-TW" altLang="en-US" sz="2000" dirty="0">
+                <a:latin typeface="微軟正黑體" panose="020B0604030504040204" pitchFamily="34" charset="-120"/>
+                <a:ea typeface="微軟正黑體" panose="020B0604030504040204" pitchFamily="34" charset="-120"/>
+              </a:rPr>
+              <a:t>奇數</a:t>
+            </a:r>
+            <a:r>
+              <a:rPr lang="en-US" altLang="zh-TW" sz="2000" dirty="0">
+                <a:latin typeface="微軟正黑體" panose="020B0604030504040204" pitchFamily="34" charset="-120"/>
+                <a:ea typeface="微軟正黑體" panose="020B0604030504040204" pitchFamily="34" charset="-120"/>
+              </a:rPr>
+              <a:t>'  )</a:t>
+            </a:r>
+          </a:p>
+          <a:p>
+            <a:r>
+              <a:rPr lang="en-US" altLang="zh-TW" sz="2000" dirty="0">
+                <a:latin typeface="微軟正黑體" panose="020B0604030504040204" pitchFamily="34" charset="-120"/>
+                <a:ea typeface="微軟正黑體" panose="020B0604030504040204" pitchFamily="34" charset="-120"/>
+              </a:rPr>
+              <a:t>    else:</a:t>
+            </a:r>
+          </a:p>
+          <a:p>
+            <a:r>
+              <a:rPr lang="en-US" altLang="zh-TW" sz="2000" dirty="0">
+                <a:latin typeface="微軟正黑體" panose="020B0604030504040204" pitchFamily="34" charset="-120"/>
+                <a:ea typeface="微軟正黑體" panose="020B0604030504040204" pitchFamily="34" charset="-120"/>
+              </a:rPr>
+              <a:t>        print( </a:t>
+            </a:r>
+            <a:r>
+              <a:rPr lang="en-US" altLang="zh-TW" sz="2000" dirty="0" err="1">
+                <a:latin typeface="微軟正黑體" panose="020B0604030504040204" pitchFamily="34" charset="-120"/>
+                <a:ea typeface="微軟正黑體" panose="020B0604030504040204" pitchFamily="34" charset="-120"/>
+              </a:rPr>
+              <a:t>i</a:t>
+            </a:r>
+            <a:r>
+              <a:rPr lang="en-US" altLang="zh-TW" sz="2000" dirty="0">
+                <a:latin typeface="微軟正黑體" panose="020B0604030504040204" pitchFamily="34" charset="-120"/>
+                <a:ea typeface="微軟正黑體" panose="020B0604030504040204" pitchFamily="34" charset="-120"/>
+              </a:rPr>
+              <a:t>, '</a:t>
+            </a:r>
+            <a:r>
+              <a:rPr lang="zh-TW" altLang="en-US" sz="2000" dirty="0">
+                <a:latin typeface="微軟正黑體" panose="020B0604030504040204" pitchFamily="34" charset="-120"/>
+                <a:ea typeface="微軟正黑體" panose="020B0604030504040204" pitchFamily="34" charset="-120"/>
+              </a:rPr>
+              <a:t>偶數</a:t>
+            </a:r>
+            <a:r>
+              <a:rPr lang="en-US" altLang="zh-TW" sz="2000" dirty="0">
+                <a:latin typeface="微軟正黑體" panose="020B0604030504040204" pitchFamily="34" charset="-120"/>
+                <a:ea typeface="微軟正黑體" panose="020B0604030504040204" pitchFamily="34" charset="-120"/>
+              </a:rPr>
+              <a:t>' )</a:t>
+            </a:r>
+            <a:endParaRPr lang="zh-TW" altLang="en-US" sz="2000" dirty="0">
+              <a:latin typeface="微軟正黑體" panose="020B0604030504040204" pitchFamily="34" charset="-120"/>
+              <a:ea typeface="微軟正黑體" panose="020B0604030504040204" pitchFamily="34" charset="-120"/>
+            </a:endParaRPr>
+          </a:p>
+        </p:txBody>
+      </p:sp>
+      <p:sp>
+        <p:nvSpPr>
+          <p:cNvPr id="5" name="投影片編號版面配置區 4"/>
           <p:cNvSpPr>
             <a:spLocks noGrp="1"/>
           </p:cNvSpPr>
@@ -9994,40 +10527,23 @@
           </a:p>
         </p:txBody>
       </p:sp>
-      <p:pic>
-        <p:nvPicPr>
-          <p:cNvPr id="3" name="圖片 2"/>
-          <p:cNvPicPr>
-            <a:picLocks noChangeAspect="1"/>
-          </p:cNvPicPr>
-          <p:nvPr/>
-        </p:nvPicPr>
-        <p:blipFill>
-          <a:blip r:embed="rId2"/>
-          <a:stretch>
-            <a:fillRect/>
-          </a:stretch>
-        </p:blipFill>
-        <p:spPr>
-          <a:xfrm>
-            <a:off x="2864929" y="2204508"/>
-            <a:ext cx="6334125" cy="3524250"/>
-          </a:xfrm>
-          <a:prstGeom prst="rect">
-            <a:avLst/>
-          </a:prstGeom>
-        </p:spPr>
-      </p:pic>
     </p:spTree>
     <p:extLst>
       <p:ext uri="{BB962C8B-B14F-4D97-AF65-F5344CB8AC3E}">
-        <p14:creationId xmlns:p14="http://schemas.microsoft.com/office/powerpoint/2010/main" val="2251556475"/>
+        <p14:creationId xmlns:p14="http://schemas.microsoft.com/office/powerpoint/2010/main" val="147131078"/>
       </p:ext>
     </p:extLst>
   </p:cSld>
   <p:clrMapOvr>
     <a:masterClrMapping/>
   </p:clrMapOvr>
+  <p:timing>
+    <p:tnLst>
+      <p:par>
+        <p:cTn id="1" dur="indefinite" restart="never" nodeType="tmRoot"/>
+      </p:par>
+    </p:tnLst>
+  </p:timing>
 </p:sld>
 </file>
 
@@ -10050,14 +10566,14 @@
       </p:grpSpPr>
       <p:sp>
         <p:nvSpPr>
-          <p:cNvPr id="76" name="文本框 58"/>
+          <p:cNvPr id="10" name="文本框 6"/>
           <p:cNvSpPr txBox="1"/>
           <p:nvPr/>
         </p:nvSpPr>
         <p:spPr>
           <a:xfrm>
-            <a:off x="4421839" y="799320"/>
-            <a:ext cx="5549751" cy="707886"/>
+            <a:off x="5097807" y="2388725"/>
+            <a:ext cx="5032147" cy="923330"/>
           </a:xfrm>
           <a:prstGeom prst="rect">
             <a:avLst/>
@@ -10065,19 +10581,19 @@
           <a:noFill/>
         </p:spPr>
         <p:txBody>
-          <a:bodyPr wrap="square" rtlCol="0">
+          <a:bodyPr wrap="none" rtlCol="0">
             <a:spAutoFit/>
           </a:bodyPr>
           <a:lstStyle/>
           <a:p>
             <a:r>
-              <a:rPr lang="en-US" altLang="zh-CN" sz="4000" dirty="0">
-                <a:latin typeface="微軟正黑體" panose="020B0604030504040204" pitchFamily="34" charset="-120"/>
-                <a:ea typeface="微軟正黑體" panose="020B0604030504040204" pitchFamily="34" charset="-120"/>
-              </a:rPr>
-              <a:t>if…else…</a:t>
-            </a:r>
-            <a:endParaRPr lang="zh-CN" altLang="en-US" sz="4000" dirty="0">
+              <a:rPr lang="zh-TW" altLang="en-US" sz="5400" b="1" dirty="0">
+                <a:latin typeface="微軟正黑體" panose="020B0604030504040204" pitchFamily="34" charset="-120"/>
+                <a:ea typeface="微軟正黑體" panose="020B0604030504040204" pitchFamily="34" charset="-120"/>
+              </a:rPr>
+              <a:t>函式與匿名函式</a:t>
+            </a:r>
+            <a:endParaRPr lang="en-US" altLang="zh-TW" sz="5400" b="1" dirty="0">
               <a:latin typeface="微軟正黑體" panose="020B0604030504040204" pitchFamily="34" charset="-120"/>
               <a:ea typeface="微軟正黑體" panose="020B0604030504040204" pitchFamily="34" charset="-120"/>
             </a:endParaRPr>
@@ -10086,14 +10602,14 @@
       </p:sp>
       <p:sp>
         <p:nvSpPr>
-          <p:cNvPr id="59" name="文字方塊 58"/>
+          <p:cNvPr id="15" name="文本框 7"/>
           <p:cNvSpPr txBox="1"/>
           <p:nvPr/>
         </p:nvSpPr>
         <p:spPr>
           <a:xfrm>
-            <a:off x="2535844" y="2285649"/>
-            <a:ext cx="3559244" cy="1938992"/>
+            <a:off x="5228650" y="3439489"/>
+            <a:ext cx="2053447" cy="954107"/>
           </a:xfrm>
           <a:prstGeom prst="rect">
             <a:avLst/>
@@ -10106,539 +10622,78 @@
           </a:bodyPr>
           <a:lstStyle/>
           <a:p>
-            <a:r>
-              <a:rPr lang="en-US" altLang="zh-TW" sz="2000" dirty="0">
-                <a:latin typeface="微軟正黑體" panose="020B0604030504040204" pitchFamily="34" charset="-120"/>
-                <a:ea typeface="微軟正黑體" panose="020B0604030504040204" pitchFamily="34" charset="-120"/>
-              </a:rPr>
-              <a:t>&gt;&gt;&gt; numbers = []</a:t>
-            </a:r>
-          </a:p>
-          <a:p>
-            <a:r>
-              <a:rPr lang="en-US" altLang="zh-TW" sz="2000" dirty="0">
-                <a:latin typeface="微軟正黑體" panose="020B0604030504040204" pitchFamily="34" charset="-120"/>
-                <a:ea typeface="微軟正黑體" panose="020B0604030504040204" pitchFamily="34" charset="-120"/>
-              </a:rPr>
-              <a:t>&gt;&gt;&gt; for</a:t>
-            </a:r>
-            <a:r>
-              <a:rPr lang="en-US" altLang="zh-TW" sz="2000" dirty="0">
-                <a:solidFill>
-                  <a:srgbClr val="FFFF00"/>
-                </a:solidFill>
-                <a:latin typeface="微軟正黑體" panose="020B0604030504040204" pitchFamily="34" charset="-120"/>
-                <a:ea typeface="微軟正黑體" panose="020B0604030504040204" pitchFamily="34" charset="-120"/>
-              </a:rPr>
-              <a:t> </a:t>
-            </a:r>
-            <a:r>
-              <a:rPr lang="en-US" altLang="zh-TW" sz="2000" dirty="0" err="1">
-                <a:solidFill>
-                  <a:srgbClr val="FFFF00"/>
-                </a:solidFill>
-                <a:latin typeface="微軟正黑體" panose="020B0604030504040204" pitchFamily="34" charset="-120"/>
-                <a:ea typeface="微軟正黑體" panose="020B0604030504040204" pitchFamily="34" charset="-120"/>
-              </a:rPr>
-              <a:t>i</a:t>
-            </a:r>
-            <a:r>
-              <a:rPr lang="en-US" altLang="zh-TW" sz="2000" dirty="0">
-                <a:solidFill>
-                  <a:srgbClr val="FFFF00"/>
-                </a:solidFill>
-                <a:latin typeface="微軟正黑體" panose="020B0604030504040204" pitchFamily="34" charset="-120"/>
-                <a:ea typeface="微軟正黑體" panose="020B0604030504040204" pitchFamily="34" charset="-120"/>
-              </a:rPr>
-              <a:t> </a:t>
-            </a:r>
-            <a:r>
-              <a:rPr lang="en-US" altLang="zh-TW" sz="2000" dirty="0">
-                <a:latin typeface="微軟正黑體" panose="020B0604030504040204" pitchFamily="34" charset="-120"/>
-                <a:ea typeface="微軟正黑體" panose="020B0604030504040204" pitchFamily="34" charset="-120"/>
-              </a:rPr>
-              <a:t>in range(</a:t>
-            </a:r>
-            <a:r>
-              <a:rPr lang="en-US" altLang="zh-TW" sz="2000" dirty="0">
-                <a:solidFill>
-                  <a:srgbClr val="FFFF00"/>
-                </a:solidFill>
-                <a:latin typeface="微軟正黑體" panose="020B0604030504040204" pitchFamily="34" charset="-120"/>
-                <a:ea typeface="微軟正黑體" panose="020B0604030504040204" pitchFamily="34" charset="-120"/>
-              </a:rPr>
-              <a:t>10</a:t>
-            </a:r>
-            <a:r>
-              <a:rPr lang="en-US" altLang="zh-TW" sz="2000" dirty="0">
-                <a:latin typeface="微軟正黑體" panose="020B0604030504040204" pitchFamily="34" charset="-120"/>
-                <a:ea typeface="微軟正黑體" panose="020B0604030504040204" pitchFamily="34" charset="-120"/>
-              </a:rPr>
-              <a:t>):</a:t>
-            </a:r>
-          </a:p>
-          <a:p>
-            <a:r>
-              <a:rPr lang="zh-TW" altLang="en-US" sz="2000" dirty="0">
-                <a:latin typeface="微軟正黑體" panose="020B0604030504040204" pitchFamily="34" charset="-120"/>
-                <a:ea typeface="微軟正黑體" panose="020B0604030504040204" pitchFamily="34" charset="-120"/>
-              </a:rPr>
-              <a:t>                 </a:t>
-            </a:r>
-            <a:r>
-              <a:rPr lang="en-US" altLang="zh-TW" sz="2000" dirty="0" err="1">
-                <a:latin typeface="微軟正黑體" panose="020B0604030504040204" pitchFamily="34" charset="-120"/>
-                <a:ea typeface="微軟正黑體" panose="020B0604030504040204" pitchFamily="34" charset="-120"/>
-              </a:rPr>
-              <a:t>numbers.append</a:t>
-            </a:r>
-            <a:r>
-              <a:rPr lang="en-US" altLang="zh-TW" sz="2000" dirty="0">
-                <a:latin typeface="微軟正黑體" panose="020B0604030504040204" pitchFamily="34" charset="-120"/>
-                <a:ea typeface="微軟正黑體" panose="020B0604030504040204" pitchFamily="34" charset="-120"/>
-              </a:rPr>
-              <a:t>(</a:t>
-            </a:r>
-            <a:r>
-              <a:rPr lang="en-US" altLang="zh-TW" sz="2000" dirty="0" err="1">
-                <a:solidFill>
-                  <a:srgbClr val="FFFF00"/>
-                </a:solidFill>
-                <a:latin typeface="微軟正黑體" panose="020B0604030504040204" pitchFamily="34" charset="-120"/>
-                <a:ea typeface="微軟正黑體" panose="020B0604030504040204" pitchFamily="34" charset="-120"/>
-              </a:rPr>
-              <a:t>i</a:t>
-            </a:r>
-            <a:r>
-              <a:rPr lang="en-US" altLang="zh-TW" sz="2000" dirty="0">
-                <a:latin typeface="微軟正黑體" panose="020B0604030504040204" pitchFamily="34" charset="-120"/>
-                <a:ea typeface="微軟正黑體" panose="020B0604030504040204" pitchFamily="34" charset="-120"/>
-              </a:rPr>
-              <a:t>)</a:t>
-            </a:r>
-          </a:p>
-          <a:p>
-            <a:endParaRPr lang="en-US" altLang="zh-TW" sz="2000" dirty="0">
-              <a:latin typeface="微軟正黑體" panose="020B0604030504040204" pitchFamily="34" charset="-120"/>
-              <a:ea typeface="微軟正黑體" panose="020B0604030504040204" pitchFamily="34" charset="-120"/>
-            </a:endParaRPr>
-          </a:p>
-          <a:p>
-            <a:r>
-              <a:rPr lang="en-US" altLang="zh-TW" sz="2000" dirty="0">
-                <a:latin typeface="微軟正黑體" panose="020B0604030504040204" pitchFamily="34" charset="-120"/>
-                <a:ea typeface="微軟正黑體" panose="020B0604030504040204" pitchFamily="34" charset="-120"/>
-              </a:rPr>
-              <a:t>&gt;&gt;&gt;</a:t>
-            </a:r>
-            <a:r>
-              <a:rPr lang="zh-TW" altLang="en-US" sz="2000" dirty="0">
-                <a:latin typeface="微軟正黑體" panose="020B0604030504040204" pitchFamily="34" charset="-120"/>
-                <a:ea typeface="微軟正黑體" panose="020B0604030504040204" pitchFamily="34" charset="-120"/>
-              </a:rPr>
-              <a:t> </a:t>
-            </a:r>
-            <a:r>
-              <a:rPr lang="en-US" altLang="zh-TW" sz="2000" dirty="0">
-                <a:latin typeface="微軟正黑體" panose="020B0604030504040204" pitchFamily="34" charset="-120"/>
-                <a:ea typeface="微軟正黑體" panose="020B0604030504040204" pitchFamily="34" charset="-120"/>
-              </a:rPr>
-              <a:t>numbers</a:t>
-            </a:r>
-          </a:p>
-          <a:p>
-            <a:r>
-              <a:rPr lang="en-US" altLang="zh-TW" sz="2000" dirty="0">
-                <a:latin typeface="微軟正黑體" panose="020B0604030504040204" pitchFamily="34" charset="-120"/>
-                <a:ea typeface="微軟正黑體" panose="020B0604030504040204" pitchFamily="34" charset="-120"/>
-              </a:rPr>
-              <a:t>[0, 1, 2, 3, 4, 5, 6, 7, 8, 9]</a:t>
-            </a:r>
-          </a:p>
-        </p:txBody>
-      </p:sp>
-      <p:sp>
-        <p:nvSpPr>
-          <p:cNvPr id="4" name="矩形 3"/>
-          <p:cNvSpPr/>
+            <a:pPr marL="457200" indent="-457200">
+              <a:buFont typeface="Arial" panose="020B0604020202020204" pitchFamily="34" charset="0"/>
+              <a:buChar char="•"/>
+            </a:pPr>
+            <a:r>
+              <a:rPr lang="en-US" altLang="zh-CN" sz="2800" dirty="0">
+                <a:latin typeface="微軟正黑體" panose="020B0604030504040204" pitchFamily="34" charset="-120"/>
+                <a:ea typeface="微軟正黑體" panose="020B0604030504040204" pitchFamily="34" charset="-120"/>
+              </a:rPr>
+              <a:t>function</a:t>
+            </a:r>
+          </a:p>
+          <a:p>
+            <a:pPr marL="457200" indent="-457200">
+              <a:buFont typeface="Arial" panose="020B0604020202020204" pitchFamily="34" charset="0"/>
+              <a:buChar char="•"/>
+            </a:pPr>
+            <a:r>
+              <a:rPr lang="en-US" altLang="zh-CN" sz="2800" dirty="0">
+                <a:latin typeface="微軟正黑體" panose="020B0604030504040204" pitchFamily="34" charset="-120"/>
+                <a:ea typeface="微軟正黑體" panose="020B0604030504040204" pitchFamily="34" charset="-120"/>
+              </a:rPr>
+              <a:t>lambda</a:t>
+            </a:r>
+          </a:p>
+        </p:txBody>
+      </p:sp>
+      <p:sp>
+        <p:nvSpPr>
+          <p:cNvPr id="18" name="文字方塊 17"/>
+          <p:cNvSpPr txBox="1"/>
           <p:nvPr/>
         </p:nvSpPr>
         <p:spPr>
           <a:xfrm>
-            <a:off x="6285313" y="1918312"/>
-            <a:ext cx="3903601" cy="3477875"/>
+            <a:off x="2608039" y="1342285"/>
+            <a:ext cx="2093843" cy="3939540"/>
           </a:xfrm>
           <a:prstGeom prst="rect">
             <a:avLst/>
           </a:prstGeom>
+          <a:noFill/>
         </p:spPr>
         <p:txBody>
-          <a:bodyPr wrap="square">
+          <a:bodyPr wrap="none" rtlCol="0">
             <a:spAutoFit/>
           </a:bodyPr>
           <a:lstStyle/>
           <a:p>
             <a:r>
-              <a:rPr lang="en-US" altLang="zh-TW" sz="2000" dirty="0">
-                <a:solidFill>
-                  <a:srgbClr val="92D050"/>
-                </a:solidFill>
-                <a:latin typeface="微軟正黑體" panose="020B0604030504040204" pitchFamily="34" charset="-120"/>
-                <a:ea typeface="微軟正黑體" panose="020B0604030504040204" pitchFamily="34" charset="-120"/>
-              </a:rPr>
-              <a:t>#</a:t>
-            </a:r>
-            <a:r>
-              <a:rPr lang="zh-TW" altLang="en-US" sz="2000" dirty="0">
-                <a:solidFill>
-                  <a:srgbClr val="92D050"/>
-                </a:solidFill>
-                <a:latin typeface="微軟正黑體" panose="020B0604030504040204" pitchFamily="34" charset="-120"/>
-                <a:ea typeface="微軟正黑體" panose="020B0604030504040204" pitchFamily="34" charset="-120"/>
-              </a:rPr>
-              <a:t>簡寫</a:t>
-            </a:r>
-            <a:endParaRPr lang="en-US" altLang="zh-TW" sz="2000" dirty="0">
+              <a:rPr lang="en-US" altLang="zh-TW" sz="25000" b="1" dirty="0">
+                <a:solidFill>
+                  <a:srgbClr val="4EC6B8"/>
+                </a:solidFill>
+                <a:latin typeface="微軟正黑體" panose="020B0604030504040204" pitchFamily="34" charset="-120"/>
+                <a:ea typeface="微軟正黑體" panose="020B0604030504040204" pitchFamily="34" charset="-120"/>
+              </a:rPr>
+              <a:t>4</a:t>
+            </a:r>
+            <a:endParaRPr lang="zh-TW" altLang="en-US" sz="25000" b="1" dirty="0">
               <a:solidFill>
-                <a:srgbClr val="92D050"/>
+                <a:srgbClr val="4EC6B8"/>
               </a:solidFill>
               <a:latin typeface="微軟正黑體" panose="020B0604030504040204" pitchFamily="34" charset="-120"/>
               <a:ea typeface="微軟正黑體" panose="020B0604030504040204" pitchFamily="34" charset="-120"/>
             </a:endParaRPr>
           </a:p>
-          <a:p>
-            <a:r>
-              <a:rPr lang="en-US" altLang="zh-TW" sz="2000" dirty="0">
-                <a:latin typeface="微軟正黑體" panose="020B0604030504040204" pitchFamily="34" charset="-120"/>
-                <a:ea typeface="微軟正黑體" panose="020B0604030504040204" pitchFamily="34" charset="-120"/>
-              </a:rPr>
-              <a:t>numbers = [ </a:t>
-            </a:r>
-            <a:r>
-              <a:rPr lang="en-US" altLang="zh-TW" sz="2000" dirty="0" err="1">
-                <a:solidFill>
-                  <a:srgbClr val="FFFF00"/>
-                </a:solidFill>
-                <a:latin typeface="微軟正黑體" panose="020B0604030504040204" pitchFamily="34" charset="-120"/>
-                <a:ea typeface="微軟正黑體" panose="020B0604030504040204" pitchFamily="34" charset="-120"/>
-              </a:rPr>
-              <a:t>i</a:t>
-            </a:r>
-            <a:r>
-              <a:rPr lang="en-US" altLang="zh-TW" sz="2000" dirty="0">
-                <a:latin typeface="微軟正黑體" panose="020B0604030504040204" pitchFamily="34" charset="-120"/>
-                <a:ea typeface="微軟正黑體" panose="020B0604030504040204" pitchFamily="34" charset="-120"/>
-              </a:rPr>
-              <a:t> for </a:t>
-            </a:r>
-            <a:r>
-              <a:rPr lang="en-US" altLang="zh-TW" sz="2000" dirty="0" err="1">
-                <a:solidFill>
-                  <a:srgbClr val="FFFF00"/>
-                </a:solidFill>
-                <a:latin typeface="微軟正黑體" panose="020B0604030504040204" pitchFamily="34" charset="-120"/>
-                <a:ea typeface="微軟正黑體" panose="020B0604030504040204" pitchFamily="34" charset="-120"/>
-              </a:rPr>
-              <a:t>i</a:t>
-            </a:r>
-            <a:r>
-              <a:rPr lang="en-US" altLang="zh-TW" sz="2000" dirty="0">
-                <a:latin typeface="微軟正黑體" panose="020B0604030504040204" pitchFamily="34" charset="-120"/>
-                <a:ea typeface="微軟正黑體" panose="020B0604030504040204" pitchFamily="34" charset="-120"/>
-              </a:rPr>
-              <a:t> in range(</a:t>
-            </a:r>
-            <a:r>
-              <a:rPr lang="en-US" altLang="zh-TW" sz="2000" dirty="0">
-                <a:solidFill>
-                  <a:srgbClr val="FFFF00"/>
-                </a:solidFill>
-                <a:latin typeface="微軟正黑體" panose="020B0604030504040204" pitchFamily="34" charset="-120"/>
-                <a:ea typeface="微軟正黑體" panose="020B0604030504040204" pitchFamily="34" charset="-120"/>
-              </a:rPr>
-              <a:t>10</a:t>
-            </a:r>
-            <a:r>
-              <a:rPr lang="en-US" altLang="zh-TW" sz="2000" dirty="0">
-                <a:latin typeface="微軟正黑體" panose="020B0604030504040204" pitchFamily="34" charset="-120"/>
-                <a:ea typeface="微軟正黑體" panose="020B0604030504040204" pitchFamily="34" charset="-120"/>
-              </a:rPr>
-              <a:t>) ]</a:t>
-            </a:r>
-          </a:p>
-          <a:p>
-            <a:r>
-              <a:rPr lang="en-US" altLang="zh-TW" sz="2000" dirty="0">
-                <a:latin typeface="微軟正黑體" panose="020B0604030504040204" pitchFamily="34" charset="-120"/>
-                <a:ea typeface="微軟正黑體" panose="020B0604030504040204" pitchFamily="34" charset="-120"/>
-              </a:rPr>
-              <a:t>[0, 1, 2, 3, 4, 5, 6, 7, 8, 9]</a:t>
-            </a:r>
-          </a:p>
-          <a:p>
-            <a:r>
-              <a:rPr lang="en-US" altLang="zh-TW" sz="2000" dirty="0">
-                <a:latin typeface="微軟正黑體" panose="020B0604030504040204" pitchFamily="34" charset="-120"/>
-                <a:ea typeface="微軟正黑體" panose="020B0604030504040204" pitchFamily="34" charset="-120"/>
-              </a:rPr>
-              <a:t>---------------------------------</a:t>
-            </a:r>
-          </a:p>
-          <a:p>
-            <a:r>
-              <a:rPr lang="en-US" altLang="zh-TW" sz="2000" dirty="0">
-                <a:latin typeface="微軟正黑體" panose="020B0604030504040204" pitchFamily="34" charset="-120"/>
-                <a:ea typeface="微軟正黑體" panose="020B0604030504040204" pitchFamily="34" charset="-120"/>
-              </a:rPr>
-              <a:t>for </a:t>
-            </a:r>
-            <a:r>
-              <a:rPr lang="en-US" altLang="zh-TW" sz="2000" dirty="0" err="1">
-                <a:latin typeface="微軟正黑體" panose="020B0604030504040204" pitchFamily="34" charset="-120"/>
-                <a:ea typeface="微軟正黑體" panose="020B0604030504040204" pitchFamily="34" charset="-120"/>
-              </a:rPr>
-              <a:t>i</a:t>
-            </a:r>
-            <a:r>
-              <a:rPr lang="en-US" altLang="zh-TW" sz="2000" dirty="0">
-                <a:latin typeface="微軟正黑體" panose="020B0604030504040204" pitchFamily="34" charset="-120"/>
-                <a:ea typeface="微軟正黑體" panose="020B0604030504040204" pitchFamily="34" charset="-120"/>
-              </a:rPr>
-              <a:t> in range(</a:t>
-            </a:r>
-            <a:r>
-              <a:rPr lang="en-US" altLang="zh-TW" sz="2000" dirty="0" err="1">
-                <a:latin typeface="微軟正黑體" panose="020B0604030504040204" pitchFamily="34" charset="-120"/>
-                <a:ea typeface="微軟正黑體" panose="020B0604030504040204" pitchFamily="34" charset="-120"/>
-              </a:rPr>
-              <a:t>len</a:t>
-            </a:r>
-            <a:r>
-              <a:rPr lang="en-US" altLang="zh-TW" sz="2000" dirty="0">
-                <a:latin typeface="微軟正黑體" panose="020B0604030504040204" pitchFamily="34" charset="-120"/>
-                <a:ea typeface="微軟正黑體" panose="020B0604030504040204" pitchFamily="34" charset="-120"/>
-              </a:rPr>
-              <a:t>(numbers)):</a:t>
-            </a:r>
-          </a:p>
-          <a:p>
-            <a:r>
-              <a:rPr lang="en-US" altLang="zh-TW" sz="2000" dirty="0">
-                <a:latin typeface="微軟正黑體" panose="020B0604030504040204" pitchFamily="34" charset="-120"/>
-                <a:ea typeface="微軟正黑體" panose="020B0604030504040204" pitchFamily="34" charset="-120"/>
-              </a:rPr>
-              <a:t>    if( </a:t>
-            </a:r>
-            <a:r>
-              <a:rPr lang="en-US" altLang="zh-TW" sz="2000" dirty="0" err="1">
-                <a:solidFill>
-                  <a:srgbClr val="00B050"/>
-                </a:solidFill>
-                <a:latin typeface="微軟正黑體" panose="020B0604030504040204" pitchFamily="34" charset="-120"/>
-                <a:ea typeface="微軟正黑體" panose="020B0604030504040204" pitchFamily="34" charset="-120"/>
-              </a:rPr>
-              <a:t>i</a:t>
-            </a:r>
-            <a:r>
-              <a:rPr lang="en-US" altLang="zh-TW" sz="2000" dirty="0">
-                <a:solidFill>
-                  <a:srgbClr val="00B050"/>
-                </a:solidFill>
-                <a:latin typeface="微軟正黑體" panose="020B0604030504040204" pitchFamily="34" charset="-120"/>
-                <a:ea typeface="微軟正黑體" panose="020B0604030504040204" pitchFamily="34" charset="-120"/>
-              </a:rPr>
-              <a:t> == 0 </a:t>
-            </a:r>
-            <a:r>
-              <a:rPr lang="en-US" altLang="zh-TW" sz="2000" dirty="0">
-                <a:latin typeface="微軟正黑體" panose="020B0604030504040204" pitchFamily="34" charset="-120"/>
-                <a:ea typeface="微軟正黑體" panose="020B0604030504040204" pitchFamily="34" charset="-120"/>
-              </a:rPr>
-              <a:t>):</a:t>
-            </a:r>
-          </a:p>
-          <a:p>
-            <a:r>
-              <a:rPr lang="en-US" altLang="zh-TW" sz="2000" dirty="0">
-                <a:latin typeface="微軟正黑體" panose="020B0604030504040204" pitchFamily="34" charset="-120"/>
-                <a:ea typeface="微軟正黑體" panose="020B0604030504040204" pitchFamily="34" charset="-120"/>
-              </a:rPr>
-              <a:t>        print(</a:t>
-            </a:r>
-            <a:r>
-              <a:rPr lang="en-US" altLang="zh-TW" sz="2000" dirty="0" err="1">
-                <a:latin typeface="微軟正黑體" panose="020B0604030504040204" pitchFamily="34" charset="-120"/>
-                <a:ea typeface="微軟正黑體" panose="020B0604030504040204" pitchFamily="34" charset="-120"/>
-              </a:rPr>
-              <a:t>i</a:t>
-            </a:r>
-            <a:r>
-              <a:rPr lang="en-US" altLang="zh-TW" sz="2000" dirty="0">
-                <a:latin typeface="微軟正黑體" panose="020B0604030504040204" pitchFamily="34" charset="-120"/>
-                <a:ea typeface="微軟正黑體" panose="020B0604030504040204" pitchFamily="34" charset="-120"/>
-              </a:rPr>
-              <a:t>, '</a:t>
-            </a:r>
-            <a:r>
-              <a:rPr lang="zh-TW" altLang="en-US" sz="2000" dirty="0">
-                <a:latin typeface="微軟正黑體" panose="020B0604030504040204" pitchFamily="34" charset="-120"/>
-                <a:ea typeface="微軟正黑體" panose="020B0604030504040204" pitchFamily="34" charset="-120"/>
-              </a:rPr>
-              <a:t>是奇數也是偶數</a:t>
-            </a:r>
-            <a:r>
-              <a:rPr lang="en-US" altLang="zh-TW" sz="2000" dirty="0">
-                <a:latin typeface="微軟正黑體" panose="020B0604030504040204" pitchFamily="34" charset="-120"/>
-                <a:ea typeface="微軟正黑體" panose="020B0604030504040204" pitchFamily="34" charset="-120"/>
-              </a:rPr>
-              <a:t>')</a:t>
-            </a:r>
-          </a:p>
-          <a:p>
-            <a:r>
-              <a:rPr lang="en-US" altLang="zh-TW" sz="2000" dirty="0">
-                <a:latin typeface="微軟正黑體" panose="020B0604030504040204" pitchFamily="34" charset="-120"/>
-                <a:ea typeface="微軟正黑體" panose="020B0604030504040204" pitchFamily="34" charset="-120"/>
-              </a:rPr>
-              <a:t>    </a:t>
-            </a:r>
-            <a:r>
-              <a:rPr lang="en-US" altLang="zh-TW" sz="2000" dirty="0" err="1">
-                <a:solidFill>
-                  <a:srgbClr val="FFFF00"/>
-                </a:solidFill>
-                <a:latin typeface="微軟正黑體" panose="020B0604030504040204" pitchFamily="34" charset="-120"/>
-                <a:ea typeface="微軟正黑體" panose="020B0604030504040204" pitchFamily="34" charset="-120"/>
-              </a:rPr>
-              <a:t>elif</a:t>
-            </a:r>
-            <a:r>
-              <a:rPr lang="en-US" altLang="zh-TW" sz="2000" dirty="0">
-                <a:latin typeface="微軟正黑體" panose="020B0604030504040204" pitchFamily="34" charset="-120"/>
-                <a:ea typeface="微軟正黑體" panose="020B0604030504040204" pitchFamily="34" charset="-120"/>
-              </a:rPr>
-              <a:t>( </a:t>
-            </a:r>
-            <a:r>
-              <a:rPr lang="en-US" altLang="zh-TW" sz="2000" dirty="0" err="1">
-                <a:solidFill>
-                  <a:srgbClr val="00B050"/>
-                </a:solidFill>
-                <a:latin typeface="微軟正黑體" panose="020B0604030504040204" pitchFamily="34" charset="-120"/>
-                <a:ea typeface="微軟正黑體" panose="020B0604030504040204" pitchFamily="34" charset="-120"/>
-              </a:rPr>
-              <a:t>i</a:t>
-            </a:r>
-            <a:r>
-              <a:rPr lang="en-US" altLang="zh-TW" sz="2000" dirty="0">
-                <a:solidFill>
-                  <a:srgbClr val="00B050"/>
-                </a:solidFill>
-                <a:latin typeface="微軟正黑體" panose="020B0604030504040204" pitchFamily="34" charset="-120"/>
-                <a:ea typeface="微軟正黑體" panose="020B0604030504040204" pitchFamily="34" charset="-120"/>
-              </a:rPr>
-              <a:t> % 2 == 1 </a:t>
-            </a:r>
-            <a:r>
-              <a:rPr lang="en-US" altLang="zh-TW" sz="2000" dirty="0">
-                <a:latin typeface="微軟正黑體" panose="020B0604030504040204" pitchFamily="34" charset="-120"/>
-                <a:ea typeface="微軟正黑體" panose="020B0604030504040204" pitchFamily="34" charset="-120"/>
-              </a:rPr>
-              <a:t>):</a:t>
-            </a:r>
-          </a:p>
-          <a:p>
-            <a:r>
-              <a:rPr lang="en-US" altLang="zh-TW" sz="2000" dirty="0">
-                <a:latin typeface="微軟正黑體" panose="020B0604030504040204" pitchFamily="34" charset="-120"/>
-                <a:ea typeface="微軟正黑體" panose="020B0604030504040204" pitchFamily="34" charset="-120"/>
-              </a:rPr>
-              <a:t>        print( </a:t>
-            </a:r>
-            <a:r>
-              <a:rPr lang="en-US" altLang="zh-TW" sz="2000" dirty="0" err="1">
-                <a:latin typeface="微軟正黑體" panose="020B0604030504040204" pitchFamily="34" charset="-120"/>
-                <a:ea typeface="微軟正黑體" panose="020B0604030504040204" pitchFamily="34" charset="-120"/>
-              </a:rPr>
-              <a:t>i</a:t>
-            </a:r>
-            <a:r>
-              <a:rPr lang="en-US" altLang="zh-TW" sz="2000" dirty="0">
-                <a:latin typeface="微軟正黑體" panose="020B0604030504040204" pitchFamily="34" charset="-120"/>
-                <a:ea typeface="微軟正黑體" panose="020B0604030504040204" pitchFamily="34" charset="-120"/>
-              </a:rPr>
-              <a:t>, '</a:t>
-            </a:r>
-            <a:r>
-              <a:rPr lang="zh-TW" altLang="en-US" sz="2000" dirty="0">
-                <a:latin typeface="微軟正黑體" panose="020B0604030504040204" pitchFamily="34" charset="-120"/>
-                <a:ea typeface="微軟正黑體" panose="020B0604030504040204" pitchFamily="34" charset="-120"/>
-              </a:rPr>
-              <a:t>奇數</a:t>
-            </a:r>
-            <a:r>
-              <a:rPr lang="en-US" altLang="zh-TW" sz="2000" dirty="0">
-                <a:latin typeface="微軟正黑體" panose="020B0604030504040204" pitchFamily="34" charset="-120"/>
-                <a:ea typeface="微軟正黑體" panose="020B0604030504040204" pitchFamily="34" charset="-120"/>
-              </a:rPr>
-              <a:t>'  )</a:t>
-            </a:r>
-          </a:p>
-          <a:p>
-            <a:r>
-              <a:rPr lang="en-US" altLang="zh-TW" sz="2000" dirty="0">
-                <a:latin typeface="微軟正黑體" panose="020B0604030504040204" pitchFamily="34" charset="-120"/>
-                <a:ea typeface="微軟正黑體" panose="020B0604030504040204" pitchFamily="34" charset="-120"/>
-              </a:rPr>
-              <a:t>    else:</a:t>
-            </a:r>
-          </a:p>
-          <a:p>
-            <a:r>
-              <a:rPr lang="en-US" altLang="zh-TW" sz="2000" dirty="0">
-                <a:latin typeface="微軟正黑體" panose="020B0604030504040204" pitchFamily="34" charset="-120"/>
-                <a:ea typeface="微軟正黑體" panose="020B0604030504040204" pitchFamily="34" charset="-120"/>
-              </a:rPr>
-              <a:t>        print( </a:t>
-            </a:r>
-            <a:r>
-              <a:rPr lang="en-US" altLang="zh-TW" sz="2000" dirty="0" err="1">
-                <a:latin typeface="微軟正黑體" panose="020B0604030504040204" pitchFamily="34" charset="-120"/>
-                <a:ea typeface="微軟正黑體" panose="020B0604030504040204" pitchFamily="34" charset="-120"/>
-              </a:rPr>
-              <a:t>i</a:t>
-            </a:r>
-            <a:r>
-              <a:rPr lang="en-US" altLang="zh-TW" sz="2000" dirty="0">
-                <a:latin typeface="微軟正黑體" panose="020B0604030504040204" pitchFamily="34" charset="-120"/>
-                <a:ea typeface="微軟正黑體" panose="020B0604030504040204" pitchFamily="34" charset="-120"/>
-              </a:rPr>
-              <a:t>, '</a:t>
-            </a:r>
-            <a:r>
-              <a:rPr lang="zh-TW" altLang="en-US" sz="2000" dirty="0">
-                <a:latin typeface="微軟正黑體" panose="020B0604030504040204" pitchFamily="34" charset="-120"/>
-                <a:ea typeface="微軟正黑體" panose="020B0604030504040204" pitchFamily="34" charset="-120"/>
-              </a:rPr>
-              <a:t>偶數</a:t>
-            </a:r>
-            <a:r>
-              <a:rPr lang="en-US" altLang="zh-TW" sz="2000" dirty="0">
-                <a:latin typeface="微軟正黑體" panose="020B0604030504040204" pitchFamily="34" charset="-120"/>
-                <a:ea typeface="微軟正黑體" panose="020B0604030504040204" pitchFamily="34" charset="-120"/>
-              </a:rPr>
-              <a:t>' )</a:t>
-            </a:r>
-            <a:endParaRPr lang="zh-TW" altLang="en-US" sz="2000" dirty="0">
-              <a:latin typeface="微軟正黑體" panose="020B0604030504040204" pitchFamily="34" charset="-120"/>
-              <a:ea typeface="微軟正黑體" panose="020B0604030504040204" pitchFamily="34" charset="-120"/>
-            </a:endParaRPr>
-          </a:p>
-        </p:txBody>
-      </p:sp>
-      <p:sp>
-        <p:nvSpPr>
-          <p:cNvPr id="5" name="投影片編號版面配置區 4"/>
+        </p:txBody>
+      </p:sp>
+      <p:sp>
+        <p:nvSpPr>
+          <p:cNvPr id="4" name="投影片編號版面配置區 3"/>
           <p:cNvSpPr>
             <a:spLocks noGrp="1"/>
           </p:cNvSpPr>
@@ -10662,7 +10717,7 @@
     </p:spTree>
     <p:extLst>
       <p:ext uri="{BB962C8B-B14F-4D97-AF65-F5344CB8AC3E}">
-        <p14:creationId xmlns:p14="http://schemas.microsoft.com/office/powerpoint/2010/main" val="147131078"/>
+        <p14:creationId xmlns:p14="http://schemas.microsoft.com/office/powerpoint/2010/main" val="2316489439"/>
       </p:ext>
     </p:extLst>
   </p:cSld>
@@ -10855,14 +10910,14 @@
       </p:grpSpPr>
       <p:sp>
         <p:nvSpPr>
-          <p:cNvPr id="10" name="文本框 6"/>
+          <p:cNvPr id="37" name="文本框 58"/>
           <p:cNvSpPr txBox="1"/>
           <p:nvPr/>
         </p:nvSpPr>
         <p:spPr>
           <a:xfrm>
-            <a:off x="5097807" y="2388725"/>
-            <a:ext cx="5032147" cy="923330"/>
+            <a:off x="4802077" y="797161"/>
+            <a:ext cx="5868218" cy="707886"/>
           </a:xfrm>
           <a:prstGeom prst="rect">
             <a:avLst/>
@@ -10870,19 +10925,19 @@
           <a:noFill/>
         </p:spPr>
         <p:txBody>
-          <a:bodyPr wrap="none" rtlCol="0">
+          <a:bodyPr wrap="square" rtlCol="0">
             <a:spAutoFit/>
           </a:bodyPr>
           <a:lstStyle/>
           <a:p>
             <a:r>
-              <a:rPr lang="zh-TW" altLang="en-US" sz="5400" b="1" dirty="0">
-                <a:latin typeface="微軟正黑體" panose="020B0604030504040204" pitchFamily="34" charset="-120"/>
-                <a:ea typeface="微軟正黑體" panose="020B0604030504040204" pitchFamily="34" charset="-120"/>
-              </a:rPr>
-              <a:t>函式與匿名函式</a:t>
-            </a:r>
-            <a:endParaRPr lang="en-US" altLang="zh-TW" sz="5400" b="1" dirty="0">
+              <a:rPr lang="en-US" altLang="zh-TW" sz="4000" b="1" dirty="0">
+                <a:latin typeface="微軟正黑體" panose="020B0604030504040204" pitchFamily="34" charset="-120"/>
+                <a:ea typeface="微軟正黑體" panose="020B0604030504040204" pitchFamily="34" charset="-120"/>
+              </a:rPr>
+              <a:t>function</a:t>
+            </a:r>
+            <a:endParaRPr lang="zh-CN" altLang="en-US" sz="4000" dirty="0">
               <a:latin typeface="微軟正黑體" panose="020B0604030504040204" pitchFamily="34" charset="-120"/>
               <a:ea typeface="微軟正黑體" panose="020B0604030504040204" pitchFamily="34" charset="-120"/>
             </a:endParaRPr>
@@ -10891,89 +10946,241 @@
       </p:sp>
       <p:sp>
         <p:nvSpPr>
-          <p:cNvPr id="15" name="文本框 7"/>
-          <p:cNvSpPr txBox="1"/>
+          <p:cNvPr id="44" name="矩形 43"/>
+          <p:cNvSpPr/>
           <p:nvPr/>
         </p:nvSpPr>
         <p:spPr>
           <a:xfrm>
-            <a:off x="5228650" y="3439489"/>
-            <a:ext cx="2053447" cy="954107"/>
+            <a:off x="3135504" y="2348652"/>
+            <a:ext cx="3643778" cy="2677656"/>
           </a:xfrm>
           <a:prstGeom prst="rect">
             <a:avLst/>
           </a:prstGeom>
-          <a:noFill/>
         </p:spPr>
         <p:txBody>
-          <a:bodyPr wrap="none" rtlCol="0">
+          <a:bodyPr wrap="square">
             <a:spAutoFit/>
           </a:bodyPr>
           <a:lstStyle/>
           <a:p>
-            <a:pPr marL="457200" indent="-457200">
-              <a:buFont typeface="Arial" panose="020B0604020202020204" pitchFamily="34" charset="0"/>
-              <a:buChar char="•"/>
-            </a:pPr>
-            <a:r>
-              <a:rPr lang="en-US" altLang="zh-CN" sz="2800" dirty="0">
-                <a:latin typeface="微軟正黑體" panose="020B0604030504040204" pitchFamily="34" charset="-120"/>
-                <a:ea typeface="微軟正黑體" panose="020B0604030504040204" pitchFamily="34" charset="-120"/>
-              </a:rPr>
-              <a:t>function</a:t>
-            </a:r>
-          </a:p>
-          <a:p>
-            <a:pPr marL="457200" indent="-457200">
-              <a:buFont typeface="Arial" panose="020B0604020202020204" pitchFamily="34" charset="0"/>
-              <a:buChar char="•"/>
-            </a:pPr>
-            <a:r>
-              <a:rPr lang="en-US" altLang="zh-CN" sz="2800" dirty="0">
-                <a:latin typeface="微軟正黑體" panose="020B0604030504040204" pitchFamily="34" charset="-120"/>
-                <a:ea typeface="微軟正黑體" panose="020B0604030504040204" pitchFamily="34" charset="-120"/>
-              </a:rPr>
-              <a:t>lambda</a:t>
-            </a:r>
-          </a:p>
-        </p:txBody>
-      </p:sp>
-      <p:sp>
-        <p:nvSpPr>
-          <p:cNvPr id="18" name="文字方塊 17"/>
-          <p:cNvSpPr txBox="1"/>
+            <a:r>
+              <a:rPr lang="en-US" altLang="zh-TW" sz="2400" dirty="0">
+                <a:latin typeface="微軟正黑體" panose="020B0604030504040204" pitchFamily="34" charset="-120"/>
+                <a:ea typeface="微軟正黑體" panose="020B0604030504040204" pitchFamily="34" charset="-120"/>
+              </a:rPr>
+              <a:t>&gt;&gt;&gt;</a:t>
+            </a:r>
+            <a:r>
+              <a:rPr lang="en-US" altLang="zh-TW" sz="2400" dirty="0" err="1">
+                <a:solidFill>
+                  <a:srgbClr val="FFFF00"/>
+                </a:solidFill>
+                <a:latin typeface="微軟正黑體" panose="020B0604030504040204" pitchFamily="34" charset="-120"/>
+                <a:ea typeface="微軟正黑體" panose="020B0604030504040204" pitchFamily="34" charset="-120"/>
+              </a:rPr>
+              <a:t>def</a:t>
+            </a:r>
+            <a:r>
+              <a:rPr lang="en-US" altLang="zh-TW" sz="2400" dirty="0">
+                <a:latin typeface="微軟正黑體" panose="020B0604030504040204" pitchFamily="34" charset="-120"/>
+                <a:ea typeface="微軟正黑體" panose="020B0604030504040204" pitchFamily="34" charset="-120"/>
+              </a:rPr>
+              <a:t> add(x, y)</a:t>
+            </a:r>
+            <a:r>
+              <a:rPr lang="en-US" altLang="zh-TW" sz="2400" dirty="0">
+                <a:solidFill>
+                  <a:srgbClr val="FFFF00"/>
+                </a:solidFill>
+                <a:latin typeface="微軟正黑體" panose="020B0604030504040204" pitchFamily="34" charset="-120"/>
+                <a:ea typeface="微軟正黑體" panose="020B0604030504040204" pitchFamily="34" charset="-120"/>
+              </a:rPr>
+              <a:t>:</a:t>
+            </a:r>
+          </a:p>
+          <a:p>
+            <a:r>
+              <a:rPr lang="en-US" altLang="zh-TW" sz="2400" dirty="0">
+                <a:latin typeface="微軟正黑體" panose="020B0604030504040204" pitchFamily="34" charset="-120"/>
+                <a:ea typeface="微軟正黑體" panose="020B0604030504040204" pitchFamily="34" charset="-120"/>
+              </a:rPr>
+              <a:t>&gt;&gt;&gt;    return </a:t>
+            </a:r>
+            <a:r>
+              <a:rPr lang="en-US" altLang="zh-TW" sz="2400" dirty="0" err="1">
+                <a:latin typeface="微軟正黑體" panose="020B0604030504040204" pitchFamily="34" charset="-120"/>
+                <a:ea typeface="微軟正黑體" panose="020B0604030504040204" pitchFamily="34" charset="-120"/>
+              </a:rPr>
+              <a:t>x+y</a:t>
+            </a:r>
+            <a:endParaRPr lang="en-US" altLang="zh-TW" sz="2400" dirty="0">
+              <a:latin typeface="微軟正黑體" panose="020B0604030504040204" pitchFamily="34" charset="-120"/>
+              <a:ea typeface="微軟正黑體" panose="020B0604030504040204" pitchFamily="34" charset="-120"/>
+            </a:endParaRPr>
+          </a:p>
+          <a:p>
+            <a:r>
+              <a:rPr lang="en-US" altLang="zh-TW" sz="2400" dirty="0">
+                <a:latin typeface="微軟正黑體" panose="020B0604030504040204" pitchFamily="34" charset="-120"/>
+                <a:ea typeface="微軟正黑體" panose="020B0604030504040204" pitchFamily="34" charset="-120"/>
+              </a:rPr>
+              <a:t>---------------</a:t>
+            </a:r>
+          </a:p>
+          <a:p>
+            <a:r>
+              <a:rPr lang="en-US" altLang="zh-TW" sz="2400" dirty="0">
+                <a:latin typeface="微軟正黑體" panose="020B0604030504040204" pitchFamily="34" charset="-120"/>
+                <a:ea typeface="微軟正黑體" panose="020B0604030504040204" pitchFamily="34" charset="-120"/>
+              </a:rPr>
+              <a:t>&gt;&gt;&gt;add(1, 1)</a:t>
+            </a:r>
+          </a:p>
+          <a:p>
+            <a:r>
+              <a:rPr lang="en-US" altLang="zh-TW" sz="2400" dirty="0">
+                <a:latin typeface="微軟正黑體" panose="020B0604030504040204" pitchFamily="34" charset="-120"/>
+                <a:ea typeface="微軟正黑體" panose="020B0604030504040204" pitchFamily="34" charset="-120"/>
+              </a:rPr>
+              <a:t>2</a:t>
+            </a:r>
+          </a:p>
+          <a:p>
+            <a:r>
+              <a:rPr lang="en-US" altLang="zh-TW" sz="2400" dirty="0">
+                <a:latin typeface="微軟正黑體" panose="020B0604030504040204" pitchFamily="34" charset="-120"/>
+                <a:ea typeface="微軟正黑體" panose="020B0604030504040204" pitchFamily="34" charset="-120"/>
+              </a:rPr>
+              <a:t>&gt;&gt;&gt;add(1, -3)</a:t>
+            </a:r>
+          </a:p>
+          <a:p>
+            <a:r>
+              <a:rPr lang="en-US" altLang="zh-TW" sz="2400" dirty="0">
+                <a:latin typeface="微軟正黑體" panose="020B0604030504040204" pitchFamily="34" charset="-120"/>
+                <a:ea typeface="微軟正黑體" panose="020B0604030504040204" pitchFamily="34" charset="-120"/>
+              </a:rPr>
+              <a:t>-2</a:t>
+            </a:r>
+            <a:endParaRPr lang="zh-TW" altLang="en-US" sz="2400" dirty="0">
+              <a:latin typeface="微軟正黑體" panose="020B0604030504040204" pitchFamily="34" charset="-120"/>
+              <a:ea typeface="微軟正黑體" panose="020B0604030504040204" pitchFamily="34" charset="-120"/>
+            </a:endParaRPr>
+          </a:p>
+        </p:txBody>
+      </p:sp>
+      <p:sp>
+        <p:nvSpPr>
+          <p:cNvPr id="45" name="矩形 44"/>
+          <p:cNvSpPr/>
           <p:nvPr/>
         </p:nvSpPr>
         <p:spPr>
           <a:xfrm>
-            <a:off x="2608039" y="1342285"/>
-            <a:ext cx="2093843" cy="3939540"/>
+            <a:off x="6244202" y="2348652"/>
+            <a:ext cx="3711421" cy="2677656"/>
           </a:xfrm>
           <a:prstGeom prst="rect">
             <a:avLst/>
           </a:prstGeom>
-          <a:noFill/>
         </p:spPr>
         <p:txBody>
-          <a:bodyPr wrap="none" rtlCol="0">
+          <a:bodyPr wrap="square">
             <a:spAutoFit/>
           </a:bodyPr>
           <a:lstStyle/>
           <a:p>
             <a:r>
-              <a:rPr lang="en-US" altLang="zh-TW" sz="25000" b="1" dirty="0">
-                <a:solidFill>
-                  <a:srgbClr val="4EC6B8"/>
-                </a:solidFill>
+              <a:rPr lang="en-US" altLang="zh-TW" sz="2400" dirty="0">
+                <a:latin typeface="微軟正黑體" panose="020B0604030504040204" pitchFamily="34" charset="-120"/>
+                <a:ea typeface="微軟正黑體" panose="020B0604030504040204" pitchFamily="34" charset="-120"/>
+              </a:rPr>
+              <a:t>&gt;&gt;&gt;</a:t>
+            </a:r>
+            <a:r>
+              <a:rPr lang="en-US" altLang="zh-TW" sz="2400" dirty="0" err="1">
+                <a:solidFill>
+                  <a:srgbClr val="FFFF00"/>
+                </a:solidFill>
+                <a:latin typeface="微軟正黑體" panose="020B0604030504040204" pitchFamily="34" charset="-120"/>
+                <a:ea typeface="微軟正黑體" panose="020B0604030504040204" pitchFamily="34" charset="-120"/>
+              </a:rPr>
+              <a:t>def</a:t>
+            </a:r>
+            <a:r>
+              <a:rPr lang="en-US" altLang="zh-TW" sz="2400" dirty="0">
+                <a:latin typeface="微軟正黑體" panose="020B0604030504040204" pitchFamily="34" charset="-120"/>
+                <a:ea typeface="微軟正黑體" panose="020B0604030504040204" pitchFamily="34" charset="-120"/>
+              </a:rPr>
+              <a:t> minus(x, y)</a:t>
+            </a:r>
+            <a:r>
+              <a:rPr lang="en-US" altLang="zh-TW" sz="2400" dirty="0">
+                <a:solidFill>
+                  <a:srgbClr val="FFFF00"/>
+                </a:solidFill>
+                <a:latin typeface="微軟正黑體" panose="020B0604030504040204" pitchFamily="34" charset="-120"/>
+                <a:ea typeface="微軟正黑體" panose="020B0604030504040204" pitchFamily="34" charset="-120"/>
+              </a:rPr>
+              <a:t>:</a:t>
+            </a:r>
+          </a:p>
+          <a:p>
+            <a:r>
+              <a:rPr lang="en-US" altLang="zh-TW" sz="2400" dirty="0">
+                <a:latin typeface="微軟正黑體" panose="020B0604030504040204" pitchFamily="34" charset="-120"/>
+                <a:ea typeface="微軟正黑體" panose="020B0604030504040204" pitchFamily="34" charset="-120"/>
+              </a:rPr>
+              <a:t>&gt;&gt;&gt;    return x-y</a:t>
+            </a:r>
+          </a:p>
+          <a:p>
+            <a:r>
+              <a:rPr lang="en-US" altLang="zh-TW" sz="2400" dirty="0">
+                <a:latin typeface="微軟正黑體" panose="020B0604030504040204" pitchFamily="34" charset="-120"/>
+                <a:ea typeface="微軟正黑體" panose="020B0604030504040204" pitchFamily="34" charset="-120"/>
+              </a:rPr>
+              <a:t>---------------</a:t>
+            </a:r>
+          </a:p>
+          <a:p>
+            <a:r>
+              <a:rPr lang="en-US" altLang="zh-TW" sz="2400" dirty="0">
+                <a:latin typeface="微軟正黑體" panose="020B0604030504040204" pitchFamily="34" charset="-120"/>
+                <a:ea typeface="微軟正黑體" panose="020B0604030504040204" pitchFamily="34" charset="-120"/>
+              </a:rPr>
+              <a:t>&gt;&gt;&gt;minus(1, 1)</a:t>
+            </a:r>
+          </a:p>
+          <a:p>
+            <a:r>
+              <a:rPr lang="en-US" altLang="zh-TW" sz="2400" dirty="0">
+                <a:latin typeface="微軟正黑體" panose="020B0604030504040204" pitchFamily="34" charset="-120"/>
+                <a:ea typeface="微軟正黑體" panose="020B0604030504040204" pitchFamily="34" charset="-120"/>
+              </a:rPr>
+              <a:t>0</a:t>
+            </a:r>
+          </a:p>
+          <a:p>
+            <a:r>
+              <a:rPr lang="en-US" altLang="zh-TW" sz="2400" dirty="0">
+                <a:latin typeface="微軟正黑體" panose="020B0604030504040204" pitchFamily="34" charset="-120"/>
+                <a:ea typeface="微軟正黑體" panose="020B0604030504040204" pitchFamily="34" charset="-120"/>
+              </a:rPr>
+              <a:t>&gt;&gt;&gt;minus(1, -3)</a:t>
+            </a:r>
+          </a:p>
+          <a:p>
+            <a:r>
+              <a:rPr lang="en-US" altLang="zh-TW" sz="2400" dirty="0">
                 <a:latin typeface="微軟正黑體" panose="020B0604030504040204" pitchFamily="34" charset="-120"/>
                 <a:ea typeface="微軟正黑體" panose="020B0604030504040204" pitchFamily="34" charset="-120"/>
               </a:rPr>
               <a:t>4</a:t>
             </a:r>
-            <a:endParaRPr lang="zh-TW" altLang="en-US" sz="25000" b="1" dirty="0">
-              <a:solidFill>
-                <a:srgbClr val="4EC6B8"/>
-              </a:solidFill>
+            <a:endParaRPr lang="zh-TW" altLang="en-US" sz="2400" dirty="0">
               <a:latin typeface="微軟正黑體" panose="020B0604030504040204" pitchFamily="34" charset="-120"/>
               <a:ea typeface="微軟正黑體" panose="020B0604030504040204" pitchFamily="34" charset="-120"/>
             </a:endParaRPr>
@@ -11006,7 +11213,7 @@
     </p:spTree>
     <p:extLst>
       <p:ext uri="{BB962C8B-B14F-4D97-AF65-F5344CB8AC3E}">
-        <p14:creationId xmlns:p14="http://schemas.microsoft.com/office/powerpoint/2010/main" val="2316489439"/>
+        <p14:creationId xmlns:p14="http://schemas.microsoft.com/office/powerpoint/2010/main" val="1834271810"/>
       </p:ext>
     </p:extLst>
   </p:cSld>
@@ -11042,14 +11249,14 @@
       </p:grpSpPr>
       <p:sp>
         <p:nvSpPr>
-          <p:cNvPr id="37" name="文本框 58"/>
+          <p:cNvPr id="76" name="文本框 58"/>
           <p:cNvSpPr txBox="1"/>
           <p:nvPr/>
         </p:nvSpPr>
         <p:spPr>
           <a:xfrm>
-            <a:off x="4802077" y="797161"/>
-            <a:ext cx="5868218" cy="707886"/>
+            <a:off x="4442606" y="733888"/>
+            <a:ext cx="5549751" cy="707886"/>
           </a:xfrm>
           <a:prstGeom prst="rect">
             <a:avLst/>
@@ -11067,9 +11274,9 @@
                 <a:latin typeface="微軟正黑體" panose="020B0604030504040204" pitchFamily="34" charset="-120"/>
                 <a:ea typeface="微軟正黑體" panose="020B0604030504040204" pitchFamily="34" charset="-120"/>
               </a:rPr>
-              <a:t>function</a:t>
-            </a:r>
-            <a:endParaRPr lang="zh-CN" altLang="en-US" sz="4000" dirty="0">
+              <a:t>lambda</a:t>
+            </a:r>
+            <a:endParaRPr lang="zh-CN" altLang="en-US" sz="3000" dirty="0">
               <a:latin typeface="微軟正黑體" panose="020B0604030504040204" pitchFamily="34" charset="-120"/>
               <a:ea typeface="微軟正黑體" panose="020B0604030504040204" pitchFamily="34" charset="-120"/>
             </a:endParaRPr>
@@ -11078,14 +11285,14 @@
       </p:sp>
       <p:sp>
         <p:nvSpPr>
-          <p:cNvPr id="44" name="矩形 43"/>
+          <p:cNvPr id="2" name="矩形 1"/>
           <p:cNvSpPr/>
           <p:nvPr/>
         </p:nvSpPr>
         <p:spPr>
           <a:xfrm>
-            <a:off x="3135504" y="2348652"/>
-            <a:ext cx="3643778" cy="2677656"/>
+            <a:off x="3514405" y="1993616"/>
+            <a:ext cx="4874222" cy="1200329"/>
           </a:xfrm>
           <a:prstGeom prst="rect">
             <a:avLst/>
@@ -11098,90 +11305,33 @@
           <a:lstStyle/>
           <a:p>
             <a:r>
-              <a:rPr lang="en-US" altLang="zh-TW" sz="2400" dirty="0">
-                <a:latin typeface="微軟正黑體" panose="020B0604030504040204" pitchFamily="34" charset="-120"/>
-                <a:ea typeface="微軟正黑體" panose="020B0604030504040204" pitchFamily="34" charset="-120"/>
-              </a:rPr>
-              <a:t>&gt;&gt;&gt;</a:t>
-            </a:r>
-            <a:r>
-              <a:rPr lang="en-US" altLang="zh-TW" sz="2400" dirty="0" err="1">
+              <a:rPr lang="es-ES" altLang="zh-TW" sz="2400" dirty="0">
+                <a:latin typeface="微軟正黑體" panose="020B0604030504040204" pitchFamily="34" charset="-120"/>
+                <a:ea typeface="微軟正黑體" panose="020B0604030504040204" pitchFamily="34" charset="-120"/>
+              </a:rPr>
+              <a:t>&gt;&gt;&gt;add = </a:t>
+            </a:r>
+            <a:r>
+              <a:rPr lang="es-ES" altLang="zh-TW" sz="2400" dirty="0">
                 <a:solidFill>
                   <a:srgbClr val="FFFF00"/>
                 </a:solidFill>
                 <a:latin typeface="微軟正黑體" panose="020B0604030504040204" pitchFamily="34" charset="-120"/>
                 <a:ea typeface="微軟正黑體" panose="020B0604030504040204" pitchFamily="34" charset="-120"/>
               </a:rPr>
-              <a:t>def</a:t>
-            </a:r>
-            <a:r>
-              <a:rPr lang="en-US" altLang="zh-TW" sz="2400" dirty="0">
-                <a:latin typeface="微軟正黑體" panose="020B0604030504040204" pitchFamily="34" charset="-120"/>
-                <a:ea typeface="微軟正黑體" panose="020B0604030504040204" pitchFamily="34" charset="-120"/>
-              </a:rPr>
-              <a:t> add(x, y)</a:t>
-            </a:r>
-            <a:r>
-              <a:rPr lang="en-US" altLang="zh-TW" sz="2400" dirty="0">
-                <a:solidFill>
-                  <a:srgbClr val="FFFF00"/>
-                </a:solidFill>
-                <a:latin typeface="微軟正黑體" panose="020B0604030504040204" pitchFamily="34" charset="-120"/>
-                <a:ea typeface="微軟正黑體" panose="020B0604030504040204" pitchFamily="34" charset="-120"/>
-              </a:rPr>
-              <a:t>:</a:t>
-            </a:r>
-          </a:p>
-          <a:p>
-            <a:r>
-              <a:rPr lang="en-US" altLang="zh-TW" sz="2400" dirty="0">
-                <a:latin typeface="微軟正黑體" panose="020B0604030504040204" pitchFamily="34" charset="-120"/>
-                <a:ea typeface="微軟正黑體" panose="020B0604030504040204" pitchFamily="34" charset="-120"/>
-              </a:rPr>
-              <a:t>&gt;&gt;&gt;    return </a:t>
-            </a:r>
-            <a:r>
-              <a:rPr lang="en-US" altLang="zh-TW" sz="2400" dirty="0" err="1">
-                <a:latin typeface="微軟正黑體" panose="020B0604030504040204" pitchFamily="34" charset="-120"/>
-                <a:ea typeface="微軟正黑體" panose="020B0604030504040204" pitchFamily="34" charset="-120"/>
-              </a:rPr>
-              <a:t>x+y</a:t>
-            </a:r>
-            <a:endParaRPr lang="en-US" altLang="zh-TW" sz="2400" dirty="0">
-              <a:latin typeface="微軟正黑體" panose="020B0604030504040204" pitchFamily="34" charset="-120"/>
-              <a:ea typeface="微軟正黑體" panose="020B0604030504040204" pitchFamily="34" charset="-120"/>
-            </a:endParaRPr>
-          </a:p>
-          <a:p>
-            <a:r>
-              <a:rPr lang="en-US" altLang="zh-TW" sz="2400" dirty="0">
-                <a:latin typeface="微軟正黑體" panose="020B0604030504040204" pitchFamily="34" charset="-120"/>
-                <a:ea typeface="微軟正黑體" panose="020B0604030504040204" pitchFamily="34" charset="-120"/>
-              </a:rPr>
-              <a:t>---------------</a:t>
-            </a:r>
-          </a:p>
-          <a:p>
-            <a:r>
-              <a:rPr lang="en-US" altLang="zh-TW" sz="2400" dirty="0">
-                <a:latin typeface="微軟正黑體" panose="020B0604030504040204" pitchFamily="34" charset="-120"/>
-                <a:ea typeface="微軟正黑體" panose="020B0604030504040204" pitchFamily="34" charset="-120"/>
-              </a:rPr>
-              <a:t>&gt;&gt;&gt;add(1, 1)</a:t>
-            </a:r>
-          </a:p>
-          <a:p>
-            <a:r>
-              <a:rPr lang="en-US" altLang="zh-TW" sz="2400" dirty="0">
-                <a:latin typeface="微軟正黑體" panose="020B0604030504040204" pitchFamily="34" charset="-120"/>
-                <a:ea typeface="微軟正黑體" panose="020B0604030504040204" pitchFamily="34" charset="-120"/>
-              </a:rPr>
-              <a:t>2</a:t>
-            </a:r>
-          </a:p>
-          <a:p>
-            <a:r>
-              <a:rPr lang="en-US" altLang="zh-TW" sz="2400" dirty="0">
+              <a:t>lambda</a:t>
+            </a:r>
+            <a:r>
+              <a:rPr lang="es-ES" altLang="zh-TW" sz="2400" dirty="0">
+                <a:latin typeface="微軟正黑體" panose="020B0604030504040204" pitchFamily="34" charset="-120"/>
+                <a:ea typeface="微軟正黑體" panose="020B0604030504040204" pitchFamily="34" charset="-120"/>
+              </a:rPr>
+              <a:t> x, y :  x + y</a:t>
+            </a:r>
+          </a:p>
+          <a:p>
+            <a:r>
+              <a:rPr lang="es-ES" altLang="zh-TW" sz="2400" dirty="0">
                 <a:latin typeface="微軟正黑體" panose="020B0604030504040204" pitchFamily="34" charset="-120"/>
                 <a:ea typeface="微軟正黑體" panose="020B0604030504040204" pitchFamily="34" charset="-120"/>
               </a:rPr>
@@ -11190,7 +11340,7 @@
           </a:p>
           <a:p>
             <a:r>
-              <a:rPr lang="en-US" altLang="zh-TW" sz="2400" dirty="0">
+              <a:rPr lang="es-ES" altLang="zh-TW" sz="2400" dirty="0">
                 <a:latin typeface="微軟正黑體" panose="020B0604030504040204" pitchFamily="34" charset="-120"/>
                 <a:ea typeface="微軟正黑體" panose="020B0604030504040204" pitchFamily="34" charset="-120"/>
               </a:rPr>
@@ -11205,112 +11355,66 @@
       </p:sp>
       <p:sp>
         <p:nvSpPr>
-          <p:cNvPr id="45" name="矩形 44"/>
+          <p:cNvPr id="5" name="矩形 4"/>
           <p:cNvSpPr/>
           <p:nvPr/>
         </p:nvSpPr>
         <p:spPr>
           <a:xfrm>
-            <a:off x="6244202" y="2348652"/>
-            <a:ext cx="3711421" cy="2677656"/>
+            <a:off x="3491629" y="4115118"/>
+            <a:ext cx="4572000" cy="1200329"/>
           </a:xfrm>
           <a:prstGeom prst="rect">
             <a:avLst/>
           </a:prstGeom>
         </p:spPr>
         <p:txBody>
-          <a:bodyPr wrap="square">
+          <a:bodyPr>
             <a:spAutoFit/>
           </a:bodyPr>
           <a:lstStyle/>
           <a:p>
             <a:r>
-              <a:rPr lang="en-US" altLang="zh-TW" sz="2400" dirty="0">
-                <a:latin typeface="微軟正黑體" panose="020B0604030504040204" pitchFamily="34" charset="-120"/>
-                <a:ea typeface="微軟正黑體" panose="020B0604030504040204" pitchFamily="34" charset="-120"/>
-              </a:rPr>
-              <a:t>&gt;&gt;&gt;</a:t>
-            </a:r>
-            <a:r>
-              <a:rPr lang="en-US" altLang="zh-TW" sz="2400" dirty="0" err="1">
+              <a:rPr lang="es-ES" altLang="zh-TW" sz="2400" dirty="0">
+                <a:latin typeface="微軟正黑體" panose="020B0604030504040204" pitchFamily="34" charset="-120"/>
+                <a:ea typeface="微軟正黑體" panose="020B0604030504040204" pitchFamily="34" charset="-120"/>
+              </a:rPr>
+              <a:t>&gt;&gt;&gt;newValue = </a:t>
+            </a:r>
+            <a:r>
+              <a:rPr lang="es-ES" altLang="zh-TW" sz="2400" dirty="0">
                 <a:solidFill>
                   <a:srgbClr val="FFFF00"/>
                 </a:solidFill>
                 <a:latin typeface="微軟正黑體" panose="020B0604030504040204" pitchFamily="34" charset="-120"/>
                 <a:ea typeface="微軟正黑體" panose="020B0604030504040204" pitchFamily="34" charset="-120"/>
               </a:rPr>
-              <a:t>def</a:t>
-            </a:r>
-            <a:r>
-              <a:rPr lang="en-US" altLang="zh-TW" sz="2400" dirty="0">
-                <a:latin typeface="微軟正黑體" panose="020B0604030504040204" pitchFamily="34" charset="-120"/>
-                <a:ea typeface="微軟正黑體" panose="020B0604030504040204" pitchFamily="34" charset="-120"/>
-              </a:rPr>
-              <a:t> minus(x, y)</a:t>
-            </a:r>
-            <a:r>
-              <a:rPr lang="en-US" altLang="zh-TW" sz="2400" dirty="0">
-                <a:solidFill>
-                  <a:srgbClr val="FFFF00"/>
-                </a:solidFill>
-                <a:latin typeface="微軟正黑體" panose="020B0604030504040204" pitchFamily="34" charset="-120"/>
-                <a:ea typeface="微軟正黑體" panose="020B0604030504040204" pitchFamily="34" charset="-120"/>
-              </a:rPr>
-              <a:t>:</a:t>
-            </a:r>
-          </a:p>
-          <a:p>
-            <a:r>
-              <a:rPr lang="en-US" altLang="zh-TW" sz="2400" dirty="0">
-                <a:latin typeface="微軟正黑體" panose="020B0604030504040204" pitchFamily="34" charset="-120"/>
-                <a:ea typeface="微軟正黑體" panose="020B0604030504040204" pitchFamily="34" charset="-120"/>
-              </a:rPr>
-              <a:t>&gt;&gt;&gt;    return x-y</a:t>
-            </a:r>
-          </a:p>
-          <a:p>
-            <a:r>
-              <a:rPr lang="en-US" altLang="zh-TW" sz="2400" dirty="0">
-                <a:latin typeface="微軟正黑體" panose="020B0604030504040204" pitchFamily="34" charset="-120"/>
-                <a:ea typeface="微軟正黑體" panose="020B0604030504040204" pitchFamily="34" charset="-120"/>
-              </a:rPr>
-              <a:t>---------------</a:t>
-            </a:r>
-          </a:p>
-          <a:p>
-            <a:r>
-              <a:rPr lang="en-US" altLang="zh-TW" sz="2400" dirty="0">
-                <a:latin typeface="微軟正黑體" panose="020B0604030504040204" pitchFamily="34" charset="-120"/>
-                <a:ea typeface="微軟正黑體" panose="020B0604030504040204" pitchFamily="34" charset="-120"/>
-              </a:rPr>
-              <a:t>&gt;&gt;&gt;minus(1, 1)</a:t>
-            </a:r>
-          </a:p>
-          <a:p>
-            <a:r>
-              <a:rPr lang="en-US" altLang="zh-TW" sz="2400" dirty="0">
-                <a:latin typeface="微軟正黑體" panose="020B0604030504040204" pitchFamily="34" charset="-120"/>
-                <a:ea typeface="微軟正黑體" panose="020B0604030504040204" pitchFamily="34" charset="-120"/>
-              </a:rPr>
-              <a:t>0</a:t>
-            </a:r>
-          </a:p>
-          <a:p>
-            <a:r>
-              <a:rPr lang="en-US" altLang="zh-TW" sz="2400" dirty="0">
-                <a:latin typeface="微軟正黑體" panose="020B0604030504040204" pitchFamily="34" charset="-120"/>
-                <a:ea typeface="微軟正黑體" panose="020B0604030504040204" pitchFamily="34" charset="-120"/>
-              </a:rPr>
-              <a:t>&gt;&gt;&gt;minus(1, -3)</a:t>
-            </a:r>
-          </a:p>
-          <a:p>
-            <a:r>
-              <a:rPr lang="en-US" altLang="zh-TW" sz="2400" dirty="0">
-                <a:latin typeface="微軟正黑體" panose="020B0604030504040204" pitchFamily="34" charset="-120"/>
-                <a:ea typeface="微軟正黑體" panose="020B0604030504040204" pitchFamily="34" charset="-120"/>
-              </a:rPr>
-              <a:t>4</a:t>
+              <a:t>lambda</a:t>
+            </a:r>
+            <a:r>
+              <a:rPr lang="es-ES" altLang="zh-TW" sz="2400" dirty="0">
+                <a:latin typeface="微軟正黑體" panose="020B0604030504040204" pitchFamily="34" charset="-120"/>
+                <a:ea typeface="微軟正黑體" panose="020B0604030504040204" pitchFamily="34" charset="-120"/>
+              </a:rPr>
+              <a:t> x :  -x</a:t>
+            </a:r>
+          </a:p>
+          <a:p>
+            <a:r>
+              <a:rPr lang="es-ES" altLang="zh-TW" sz="2400" dirty="0">
+                <a:latin typeface="微軟正黑體" panose="020B0604030504040204" pitchFamily="34" charset="-120"/>
+                <a:ea typeface="微軟正黑體" panose="020B0604030504040204" pitchFamily="34" charset="-120"/>
+              </a:rPr>
+              <a:t>&gt;&gt;&gt;newValue(9)</a:t>
+            </a:r>
+          </a:p>
+          <a:p>
+            <a:r>
+              <a:rPr lang="es-ES" altLang="zh-TW" sz="2400" dirty="0">
+                <a:latin typeface="微軟正黑體" panose="020B0604030504040204" pitchFamily="34" charset="-120"/>
+                <a:ea typeface="微軟正黑體" panose="020B0604030504040204" pitchFamily="34" charset="-120"/>
+              </a:rPr>
+              <a:t>-9</a:t>
             </a:r>
             <a:endParaRPr lang="zh-TW" altLang="en-US" sz="2400" dirty="0">
               <a:latin typeface="微軟正黑體" panose="020B0604030504040204" pitchFamily="34" charset="-120"/>
@@ -11321,7 +11425,7 @@
       </p:sp>
       <p:sp>
         <p:nvSpPr>
-          <p:cNvPr id="4" name="投影片編號版面配置區 3"/>
+          <p:cNvPr id="6" name="投影片編號版面配置區 5"/>
           <p:cNvSpPr>
             <a:spLocks noGrp="1"/>
           </p:cNvSpPr>
@@ -11345,7 +11449,7 @@
     </p:spTree>
     <p:extLst>
       <p:ext uri="{BB962C8B-B14F-4D97-AF65-F5344CB8AC3E}">
-        <p14:creationId xmlns:p14="http://schemas.microsoft.com/office/powerpoint/2010/main" val="1834271810"/>
+        <p14:creationId xmlns:p14="http://schemas.microsoft.com/office/powerpoint/2010/main" val="802773924"/>
       </p:ext>
     </p:extLst>
   </p:cSld>
@@ -11381,34 +11485,27 @@
       </p:grpSpPr>
       <p:sp>
         <p:nvSpPr>
-          <p:cNvPr id="76" name="文本框 58"/>
-          <p:cNvSpPr txBox="1"/>
-          <p:nvPr/>
-        </p:nvSpPr>
-        <p:spPr>
-          <a:xfrm>
-            <a:off x="4442606" y="733888"/>
-            <a:ext cx="5549751" cy="707886"/>
-          </a:xfrm>
-          <a:prstGeom prst="rect">
-            <a:avLst/>
-          </a:prstGeom>
-          <a:noFill/>
-        </p:spPr>
-        <p:txBody>
-          <a:bodyPr wrap="square" rtlCol="0">
-            <a:spAutoFit/>
-          </a:bodyPr>
-          <a:lstStyle/>
-          <a:p>
-            <a:r>
-              <a:rPr lang="en-US" altLang="zh-TW" sz="4000" b="1" dirty="0">
-                <a:latin typeface="微軟正黑體" panose="020B0604030504040204" pitchFamily="34" charset="-120"/>
-                <a:ea typeface="微軟正黑體" panose="020B0604030504040204" pitchFamily="34" charset="-120"/>
-              </a:rPr>
-              <a:t>lambda</a:t>
-            </a:r>
-            <a:endParaRPr lang="zh-CN" altLang="en-US" sz="3000" dirty="0">
+          <p:cNvPr id="5" name="標題 4"/>
+          <p:cNvSpPr>
+            <a:spLocks noGrp="1"/>
+          </p:cNvSpPr>
+          <p:nvPr>
+            <p:ph type="title"/>
+          </p:nvPr>
+        </p:nvSpPr>
+        <p:spPr/>
+        <p:txBody>
+          <a:bodyPr/>
+          <a:lstStyle/>
+          <a:p>
+            <a:r>
+              <a:rPr lang="en-US" altLang="zh-TW" b="1" dirty="0" smtClean="0">
+                <a:latin typeface="微軟正黑體" panose="020B0604030504040204" pitchFamily="34" charset="-120"/>
+                <a:ea typeface="微軟正黑體" panose="020B0604030504040204" pitchFamily="34" charset="-120"/>
+              </a:rPr>
+              <a:t>Print</a:t>
+            </a:r>
+            <a:endParaRPr lang="zh-TW" altLang="en-US" b="1" dirty="0">
               <a:latin typeface="微軟正黑體" panose="020B0604030504040204" pitchFamily="34" charset="-120"/>
               <a:ea typeface="微軟正黑體" panose="020B0604030504040204" pitchFamily="34" charset="-120"/>
             </a:endParaRPr>
@@ -11417,147 +11514,26 @@
       </p:sp>
       <p:sp>
         <p:nvSpPr>
-          <p:cNvPr id="2" name="矩形 1"/>
-          <p:cNvSpPr/>
-          <p:nvPr/>
-        </p:nvSpPr>
-        <p:spPr>
-          <a:xfrm>
-            <a:off x="3514405" y="1993616"/>
-            <a:ext cx="4874222" cy="1200329"/>
-          </a:xfrm>
-          <a:prstGeom prst="rect">
-            <a:avLst/>
-          </a:prstGeom>
-        </p:spPr>
-        <p:txBody>
-          <a:bodyPr wrap="square">
-            <a:spAutoFit/>
-          </a:bodyPr>
-          <a:lstStyle/>
-          <a:p>
-            <a:r>
-              <a:rPr lang="es-ES" altLang="zh-TW" sz="2400" dirty="0">
-                <a:latin typeface="微軟正黑體" panose="020B0604030504040204" pitchFamily="34" charset="-120"/>
-                <a:ea typeface="微軟正黑體" panose="020B0604030504040204" pitchFamily="34" charset="-120"/>
-              </a:rPr>
-              <a:t>&gt;&gt;&gt;add = </a:t>
-            </a:r>
-            <a:r>
-              <a:rPr lang="es-ES" altLang="zh-TW" sz="2400" dirty="0">
-                <a:solidFill>
-                  <a:srgbClr val="FFFF00"/>
-                </a:solidFill>
-                <a:latin typeface="微軟正黑體" panose="020B0604030504040204" pitchFamily="34" charset="-120"/>
-                <a:ea typeface="微軟正黑體" panose="020B0604030504040204" pitchFamily="34" charset="-120"/>
-              </a:rPr>
-              <a:t>lambda</a:t>
-            </a:r>
-            <a:r>
-              <a:rPr lang="es-ES" altLang="zh-TW" sz="2400" dirty="0">
-                <a:latin typeface="微軟正黑體" panose="020B0604030504040204" pitchFamily="34" charset="-120"/>
-                <a:ea typeface="微軟正黑體" panose="020B0604030504040204" pitchFamily="34" charset="-120"/>
-              </a:rPr>
-              <a:t> x, y :  x + y</a:t>
-            </a:r>
-          </a:p>
-          <a:p>
-            <a:r>
-              <a:rPr lang="es-ES" altLang="zh-TW" sz="2400" dirty="0">
-                <a:latin typeface="微軟正黑體" panose="020B0604030504040204" pitchFamily="34" charset="-120"/>
-                <a:ea typeface="微軟正黑體" panose="020B0604030504040204" pitchFamily="34" charset="-120"/>
-              </a:rPr>
-              <a:t>&gt;&gt;&gt;add(1, -3)</a:t>
-            </a:r>
-          </a:p>
-          <a:p>
-            <a:r>
-              <a:rPr lang="es-ES" altLang="zh-TW" sz="2400" dirty="0">
-                <a:latin typeface="微軟正黑體" panose="020B0604030504040204" pitchFamily="34" charset="-120"/>
-                <a:ea typeface="微軟正黑體" panose="020B0604030504040204" pitchFamily="34" charset="-120"/>
-              </a:rPr>
-              <a:t>-2</a:t>
-            </a:r>
-            <a:endParaRPr lang="zh-TW" altLang="en-US" sz="2400" dirty="0">
-              <a:latin typeface="微軟正黑體" panose="020B0604030504040204" pitchFamily="34" charset="-120"/>
-              <a:ea typeface="微軟正黑體" panose="020B0604030504040204" pitchFamily="34" charset="-120"/>
-            </a:endParaRPr>
-          </a:p>
-        </p:txBody>
-      </p:sp>
-      <p:sp>
-        <p:nvSpPr>
-          <p:cNvPr id="5" name="矩形 4"/>
-          <p:cNvSpPr/>
-          <p:nvPr/>
-        </p:nvSpPr>
-        <p:spPr>
-          <a:xfrm>
-            <a:off x="3491629" y="4115118"/>
-            <a:ext cx="4572000" cy="1200329"/>
-          </a:xfrm>
-          <a:prstGeom prst="rect">
-            <a:avLst/>
-          </a:prstGeom>
-        </p:spPr>
-        <p:txBody>
-          <a:bodyPr>
-            <a:spAutoFit/>
-          </a:bodyPr>
-          <a:lstStyle/>
-          <a:p>
-            <a:r>
-              <a:rPr lang="es-ES" altLang="zh-TW" sz="2400" dirty="0">
-                <a:latin typeface="微軟正黑體" panose="020B0604030504040204" pitchFamily="34" charset="-120"/>
-                <a:ea typeface="微軟正黑體" panose="020B0604030504040204" pitchFamily="34" charset="-120"/>
-              </a:rPr>
-              <a:t>&gt;&gt;&gt;newValue = </a:t>
-            </a:r>
-            <a:r>
-              <a:rPr lang="es-ES" altLang="zh-TW" sz="2400" dirty="0">
-                <a:solidFill>
-                  <a:srgbClr val="FFFF00"/>
-                </a:solidFill>
-                <a:latin typeface="微軟正黑體" panose="020B0604030504040204" pitchFamily="34" charset="-120"/>
-                <a:ea typeface="微軟正黑體" panose="020B0604030504040204" pitchFamily="34" charset="-120"/>
-              </a:rPr>
-              <a:t>lambda</a:t>
-            </a:r>
-            <a:r>
-              <a:rPr lang="es-ES" altLang="zh-TW" sz="2400" dirty="0">
-                <a:latin typeface="微軟正黑體" panose="020B0604030504040204" pitchFamily="34" charset="-120"/>
-                <a:ea typeface="微軟正黑體" panose="020B0604030504040204" pitchFamily="34" charset="-120"/>
-              </a:rPr>
-              <a:t> x :  -x</a:t>
-            </a:r>
-          </a:p>
-          <a:p>
-            <a:r>
-              <a:rPr lang="es-ES" altLang="zh-TW" sz="2400" dirty="0">
-                <a:latin typeface="微軟正黑體" panose="020B0604030504040204" pitchFamily="34" charset="-120"/>
-                <a:ea typeface="微軟正黑體" panose="020B0604030504040204" pitchFamily="34" charset="-120"/>
-              </a:rPr>
-              <a:t>&gt;&gt;&gt;newValue(9)</a:t>
-            </a:r>
-          </a:p>
-          <a:p>
-            <a:r>
-              <a:rPr lang="es-ES" altLang="zh-TW" sz="2400" dirty="0">
-                <a:latin typeface="微軟正黑體" panose="020B0604030504040204" pitchFamily="34" charset="-120"/>
-                <a:ea typeface="微軟正黑體" panose="020B0604030504040204" pitchFamily="34" charset="-120"/>
-              </a:rPr>
-              <a:t>-9</a:t>
-            </a:r>
-            <a:endParaRPr lang="zh-TW" altLang="en-US" sz="2400" dirty="0">
-              <a:latin typeface="微軟正黑體" panose="020B0604030504040204" pitchFamily="34" charset="-120"/>
-              <a:ea typeface="微軟正黑體" panose="020B0604030504040204" pitchFamily="34" charset="-120"/>
-            </a:endParaRPr>
-          </a:p>
-        </p:txBody>
-      </p:sp>
-      <p:sp>
-        <p:nvSpPr>
-          <p:cNvPr id="6" name="投影片編號版面配置區 5"/>
+          <p:cNvPr id="6" name="文字版面配置區 5"/>
+          <p:cNvSpPr>
+            <a:spLocks noGrp="1"/>
+          </p:cNvSpPr>
+          <p:nvPr>
+            <p:ph type="body" idx="1"/>
+          </p:nvPr>
+        </p:nvSpPr>
+        <p:spPr/>
+        <p:txBody>
+          <a:bodyPr/>
+          <a:lstStyle/>
+          <a:p>
+            <a:endParaRPr lang="zh-TW" altLang="en-US"/>
+          </a:p>
+        </p:txBody>
+      </p:sp>
+      <p:sp>
+        <p:nvSpPr>
+          <p:cNvPr id="4" name="投影片編號版面配置區 3"/>
           <p:cNvSpPr>
             <a:spLocks noGrp="1"/>
           </p:cNvSpPr>
@@ -11581,20 +11557,13 @@
     </p:spTree>
     <p:extLst>
       <p:ext uri="{BB962C8B-B14F-4D97-AF65-F5344CB8AC3E}">
-        <p14:creationId xmlns:p14="http://schemas.microsoft.com/office/powerpoint/2010/main" val="802773924"/>
+        <p14:creationId xmlns:p14="http://schemas.microsoft.com/office/powerpoint/2010/main" val="1491393699"/>
       </p:ext>
     </p:extLst>
   </p:cSld>
   <p:clrMapOvr>
     <a:masterClrMapping/>
   </p:clrMapOvr>
-  <p:timing>
-    <p:tnLst>
-      <p:par>
-        <p:cTn id="1" dur="indefinite" restart="never" nodeType="tmRoot"/>
-      </p:par>
-    </p:tnLst>
-  </p:timing>
 </p:sld>
 </file>
 
@@ -11627,107 +11596,6 @@
         </p:nvSpPr>
         <p:spPr/>
         <p:txBody>
-          <a:bodyPr/>
-          <a:lstStyle/>
-          <a:p>
-            <a:r>
-              <a:rPr lang="en-US" altLang="zh-TW" b="1" dirty="0" smtClean="0">
-                <a:latin typeface="微軟正黑體" panose="020B0604030504040204" pitchFamily="34" charset="-120"/>
-                <a:ea typeface="微軟正黑體" panose="020B0604030504040204" pitchFamily="34" charset="-120"/>
-              </a:rPr>
-              <a:t>Print</a:t>
-            </a:r>
-            <a:endParaRPr lang="zh-TW" altLang="en-US" b="1" dirty="0">
-              <a:latin typeface="微軟正黑體" panose="020B0604030504040204" pitchFamily="34" charset="-120"/>
-              <a:ea typeface="微軟正黑體" panose="020B0604030504040204" pitchFamily="34" charset="-120"/>
-            </a:endParaRPr>
-          </a:p>
-        </p:txBody>
-      </p:sp>
-      <p:sp>
-        <p:nvSpPr>
-          <p:cNvPr id="6" name="文字版面配置區 5"/>
-          <p:cNvSpPr>
-            <a:spLocks noGrp="1"/>
-          </p:cNvSpPr>
-          <p:nvPr>
-            <p:ph type="body" idx="1"/>
-          </p:nvPr>
-        </p:nvSpPr>
-        <p:spPr/>
-        <p:txBody>
-          <a:bodyPr/>
-          <a:lstStyle/>
-          <a:p>
-            <a:endParaRPr lang="zh-TW" altLang="en-US"/>
-          </a:p>
-        </p:txBody>
-      </p:sp>
-      <p:sp>
-        <p:nvSpPr>
-          <p:cNvPr id="4" name="投影片編號版面配置區 3"/>
-          <p:cNvSpPr>
-            <a:spLocks noGrp="1"/>
-          </p:cNvSpPr>
-          <p:nvPr>
-            <p:ph type="sldNum" sz="quarter" idx="12"/>
-          </p:nvPr>
-        </p:nvSpPr>
-        <p:spPr/>
-        <p:txBody>
-          <a:bodyPr/>
-          <a:lstStyle/>
-          <a:p>
-            <a:fld id="{559912DE-8FD5-4315-9892-F61ECB571C36}" type="slidenum">
-              <a:rPr lang="zh-TW" altLang="en-US" smtClean="0"/>
-              <a:t>23</a:t>
-            </a:fld>
-            <a:endParaRPr lang="zh-TW" altLang="en-US"/>
-          </a:p>
-        </p:txBody>
-      </p:sp>
-    </p:spTree>
-    <p:extLst>
-      <p:ext uri="{BB962C8B-B14F-4D97-AF65-F5344CB8AC3E}">
-        <p14:creationId xmlns:p14="http://schemas.microsoft.com/office/powerpoint/2010/main" val="1491393699"/>
-      </p:ext>
-    </p:extLst>
-  </p:cSld>
-  <p:clrMapOvr>
-    <a:masterClrMapping/>
-  </p:clrMapOvr>
-</p:sld>
-</file>
-
-<file path=ppt/slides/slide24.xml><?xml version="1.0" encoding="utf-8"?>
-<p:sld xmlns:a="http://schemas.openxmlformats.org/drawingml/2006/main" xmlns:r="http://schemas.openxmlformats.org/officeDocument/2006/relationships" xmlns:p="http://schemas.openxmlformats.org/presentationml/2006/main">
-  <p:cSld>
-    <p:spTree>
-      <p:nvGrpSpPr>
-        <p:cNvPr id="1" name=""/>
-        <p:cNvGrpSpPr/>
-        <p:nvPr/>
-      </p:nvGrpSpPr>
-      <p:grpSpPr>
-        <a:xfrm>
-          <a:off x="0" y="0"/>
-          <a:ext cx="0" cy="0"/>
-          <a:chOff x="0" y="0"/>
-          <a:chExt cx="0" cy="0"/>
-        </a:xfrm>
-      </p:grpSpPr>
-      <p:sp>
-        <p:nvSpPr>
-          <p:cNvPr id="5" name="標題 4"/>
-          <p:cNvSpPr>
-            <a:spLocks noGrp="1"/>
-          </p:cNvSpPr>
-          <p:nvPr>
-            <p:ph type="title"/>
-          </p:nvPr>
-        </p:nvSpPr>
-        <p:spPr/>
-        <p:txBody>
           <a:bodyPr>
             <a:normAutofit/>
           </a:bodyPr>
@@ -11784,7 +11652,7 @@
           <a:p>
             <a:fld id="{559912DE-8FD5-4315-9892-F61ECB571C36}" type="slidenum">
               <a:rPr lang="zh-TW" altLang="en-US" smtClean="0"/>
-              <a:t>24</a:t>
+              <a:t>23</a:t>
             </a:fld>
             <a:endParaRPr lang="zh-TW" altLang="en-US"/>
           </a:p>
@@ -11827,7 +11695,7 @@
 </p:sld>
 </file>
 
-<file path=ppt/slides/slide25.xml><?xml version="1.0" encoding="utf-8"?>
+<file path=ppt/slides/slide24.xml><?xml version="1.0" encoding="utf-8"?>
 <p:sld xmlns:a="http://schemas.openxmlformats.org/drawingml/2006/main" xmlns:r="http://schemas.openxmlformats.org/officeDocument/2006/relationships" xmlns:p="http://schemas.openxmlformats.org/presentationml/2006/main">
   <p:cSld>
     <p:spTree>
@@ -11912,7 +11780,7 @@
           <a:p>
             <a:fld id="{559912DE-8FD5-4315-9892-F61ECB571C36}" type="slidenum">
               <a:rPr lang="zh-TW" altLang="en-US" smtClean="0"/>
-              <a:t>25</a:t>
+              <a:t>24</a:t>
             </a:fld>
             <a:endParaRPr lang="zh-TW" altLang="en-US"/>
           </a:p>
@@ -11955,7 +11823,7 @@
 </p:sld>
 </file>
 
-<file path=ppt/slides/slide26.xml><?xml version="1.0" encoding="utf-8"?>
+<file path=ppt/slides/slide25.xml><?xml version="1.0" encoding="utf-8"?>
 <p:sld xmlns:a="http://schemas.openxmlformats.org/drawingml/2006/main" xmlns:r="http://schemas.openxmlformats.org/officeDocument/2006/relationships" xmlns:p="http://schemas.openxmlformats.org/presentationml/2006/main">
   <p:cSld>
     <p:spTree>
@@ -12040,7 +11908,7 @@
           <a:p>
             <a:fld id="{559912DE-8FD5-4315-9892-F61ECB571C36}" type="slidenum">
               <a:rPr lang="zh-TW" altLang="en-US" smtClean="0"/>
-              <a:t>26</a:t>
+              <a:t>25</a:t>
             </a:fld>
             <a:endParaRPr lang="zh-TW" altLang="en-US"/>
           </a:p>
@@ -12082,7 +11950,7 @@
 </p:sld>
 </file>
 
-<file path=ppt/slides/slide27.xml><?xml version="1.0" encoding="utf-8"?>
+<file path=ppt/slides/slide26.xml><?xml version="1.0" encoding="utf-8"?>
 <p:sld xmlns:a="http://schemas.openxmlformats.org/drawingml/2006/main" xmlns:r="http://schemas.openxmlformats.org/officeDocument/2006/relationships" xmlns:p="http://schemas.openxmlformats.org/presentationml/2006/main">
   <p:cSld>
     <p:spTree>
@@ -12167,7 +12035,7 @@
           <a:p>
             <a:fld id="{559912DE-8FD5-4315-9892-F61ECB571C36}" type="slidenum">
               <a:rPr lang="zh-TW" altLang="en-US" smtClean="0"/>
-              <a:t>27</a:t>
+              <a:t>26</a:t>
             </a:fld>
             <a:endParaRPr lang="zh-TW" altLang="en-US"/>
           </a:p>
@@ -12210,6 +12078,110 @@
 </p:sld>
 </file>
 
+<file path=ppt/slides/slide27.xml><?xml version="1.0" encoding="utf-8"?>
+<p:sld xmlns:a="http://schemas.openxmlformats.org/drawingml/2006/main" xmlns:r="http://schemas.openxmlformats.org/officeDocument/2006/relationships" xmlns:p="http://schemas.openxmlformats.org/presentationml/2006/main">
+  <p:cSld>
+    <p:spTree>
+      <p:nvGrpSpPr>
+        <p:cNvPr id="1" name=""/>
+        <p:cNvGrpSpPr/>
+        <p:nvPr/>
+      </p:nvGrpSpPr>
+      <p:grpSpPr>
+        <a:xfrm>
+          <a:off x="0" y="0"/>
+          <a:ext cx="0" cy="0"/>
+          <a:chOff x="0" y="0"/>
+          <a:chExt cx="0" cy="0"/>
+        </a:xfrm>
+      </p:grpSpPr>
+      <p:sp>
+        <p:nvSpPr>
+          <p:cNvPr id="5" name="標題 4"/>
+          <p:cNvSpPr>
+            <a:spLocks noGrp="1"/>
+          </p:cNvSpPr>
+          <p:nvPr>
+            <p:ph type="title"/>
+          </p:nvPr>
+        </p:nvSpPr>
+        <p:spPr/>
+        <p:txBody>
+          <a:bodyPr/>
+          <a:lstStyle/>
+          <a:p>
+            <a:r>
+              <a:rPr lang="zh-TW" altLang="en-US" b="1" dirty="0" smtClean="0">
+                <a:latin typeface="微軟正黑體" panose="020B0604030504040204" pitchFamily="34" charset="-120"/>
+                <a:ea typeface="微軟正黑體" panose="020B0604030504040204" pitchFamily="34" charset="-120"/>
+              </a:rPr>
+              <a:t>寫檔讀</a:t>
+            </a:r>
+            <a:r>
+              <a:rPr lang="zh-TW" altLang="en-US" b="1" dirty="0">
+                <a:latin typeface="微軟正黑體" panose="020B0604030504040204" pitchFamily="34" charset="-120"/>
+                <a:ea typeface="微軟正黑體" panose="020B0604030504040204" pitchFamily="34" charset="-120"/>
+              </a:rPr>
+              <a:t>檔</a:t>
+            </a:r>
+          </a:p>
+        </p:txBody>
+      </p:sp>
+      <p:sp>
+        <p:nvSpPr>
+          <p:cNvPr id="6" name="文字版面配置區 5"/>
+          <p:cNvSpPr>
+            <a:spLocks noGrp="1"/>
+          </p:cNvSpPr>
+          <p:nvPr>
+            <p:ph type="body" idx="1"/>
+          </p:nvPr>
+        </p:nvSpPr>
+        <p:spPr/>
+        <p:txBody>
+          <a:bodyPr/>
+          <a:lstStyle/>
+          <a:p>
+            <a:endParaRPr lang="zh-TW" altLang="en-US"/>
+          </a:p>
+        </p:txBody>
+      </p:sp>
+      <p:sp>
+        <p:nvSpPr>
+          <p:cNvPr id="4" name="投影片編號版面配置區 3"/>
+          <p:cNvSpPr>
+            <a:spLocks noGrp="1"/>
+          </p:cNvSpPr>
+          <p:nvPr>
+            <p:ph type="sldNum" sz="quarter" idx="12"/>
+          </p:nvPr>
+        </p:nvSpPr>
+        <p:spPr/>
+        <p:txBody>
+          <a:bodyPr/>
+          <a:lstStyle/>
+          <a:p>
+            <a:fld id="{559912DE-8FD5-4315-9892-F61ECB571C36}" type="slidenum">
+              <a:rPr lang="zh-TW" altLang="en-US" smtClean="0"/>
+              <a:t>27</a:t>
+            </a:fld>
+            <a:endParaRPr lang="zh-TW" altLang="en-US"/>
+          </a:p>
+        </p:txBody>
+      </p:sp>
+    </p:spTree>
+    <p:extLst>
+      <p:ext uri="{BB962C8B-B14F-4D97-AF65-F5344CB8AC3E}">
+        <p14:creationId xmlns:p14="http://schemas.microsoft.com/office/powerpoint/2010/main" val="73608664"/>
+      </p:ext>
+    </p:extLst>
+  </p:cSld>
+  <p:clrMapOvr>
+    <a:masterClrMapping/>
+  </p:clrMapOvr>
+</p:sld>
+</file>
+
 <file path=ppt/slides/slide28.xml><?xml version="1.0" encoding="utf-8"?>
 <p:sld xmlns:a="http://schemas.openxmlformats.org/drawingml/2006/main" xmlns:r="http://schemas.openxmlformats.org/officeDocument/2006/relationships" xmlns:p="http://schemas.openxmlformats.org/presentationml/2006/main">
   <p:cSld>
@@ -12239,110 +12211,6 @@
         </p:nvSpPr>
         <p:spPr/>
         <p:txBody>
-          <a:bodyPr/>
-          <a:lstStyle/>
-          <a:p>
-            <a:r>
-              <a:rPr lang="zh-TW" altLang="en-US" b="1" dirty="0" smtClean="0">
-                <a:latin typeface="微軟正黑體" panose="020B0604030504040204" pitchFamily="34" charset="-120"/>
-                <a:ea typeface="微軟正黑體" panose="020B0604030504040204" pitchFamily="34" charset="-120"/>
-              </a:rPr>
-              <a:t>寫檔讀</a:t>
-            </a:r>
-            <a:r>
-              <a:rPr lang="zh-TW" altLang="en-US" b="1" dirty="0">
-                <a:latin typeface="微軟正黑體" panose="020B0604030504040204" pitchFamily="34" charset="-120"/>
-                <a:ea typeface="微軟正黑體" panose="020B0604030504040204" pitchFamily="34" charset="-120"/>
-              </a:rPr>
-              <a:t>檔</a:t>
-            </a:r>
-          </a:p>
-        </p:txBody>
-      </p:sp>
-      <p:sp>
-        <p:nvSpPr>
-          <p:cNvPr id="6" name="文字版面配置區 5"/>
-          <p:cNvSpPr>
-            <a:spLocks noGrp="1"/>
-          </p:cNvSpPr>
-          <p:nvPr>
-            <p:ph type="body" idx="1"/>
-          </p:nvPr>
-        </p:nvSpPr>
-        <p:spPr/>
-        <p:txBody>
-          <a:bodyPr/>
-          <a:lstStyle/>
-          <a:p>
-            <a:endParaRPr lang="zh-TW" altLang="en-US"/>
-          </a:p>
-        </p:txBody>
-      </p:sp>
-      <p:sp>
-        <p:nvSpPr>
-          <p:cNvPr id="4" name="投影片編號版面配置區 3"/>
-          <p:cNvSpPr>
-            <a:spLocks noGrp="1"/>
-          </p:cNvSpPr>
-          <p:nvPr>
-            <p:ph type="sldNum" sz="quarter" idx="12"/>
-          </p:nvPr>
-        </p:nvSpPr>
-        <p:spPr/>
-        <p:txBody>
-          <a:bodyPr/>
-          <a:lstStyle/>
-          <a:p>
-            <a:fld id="{559912DE-8FD5-4315-9892-F61ECB571C36}" type="slidenum">
-              <a:rPr lang="zh-TW" altLang="en-US" smtClean="0"/>
-              <a:t>28</a:t>
-            </a:fld>
-            <a:endParaRPr lang="zh-TW" altLang="en-US"/>
-          </a:p>
-        </p:txBody>
-      </p:sp>
-    </p:spTree>
-    <p:extLst>
-      <p:ext uri="{BB962C8B-B14F-4D97-AF65-F5344CB8AC3E}">
-        <p14:creationId xmlns:p14="http://schemas.microsoft.com/office/powerpoint/2010/main" val="73608664"/>
-      </p:ext>
-    </p:extLst>
-  </p:cSld>
-  <p:clrMapOvr>
-    <a:masterClrMapping/>
-  </p:clrMapOvr>
-</p:sld>
-</file>
-
-<file path=ppt/slides/slide29.xml><?xml version="1.0" encoding="utf-8"?>
-<p:sld xmlns:a="http://schemas.openxmlformats.org/drawingml/2006/main" xmlns:r="http://schemas.openxmlformats.org/officeDocument/2006/relationships" xmlns:p="http://schemas.openxmlformats.org/presentationml/2006/main">
-  <p:cSld>
-    <p:spTree>
-      <p:nvGrpSpPr>
-        <p:cNvPr id="1" name=""/>
-        <p:cNvGrpSpPr/>
-        <p:nvPr/>
-      </p:nvGrpSpPr>
-      <p:grpSpPr>
-        <a:xfrm>
-          <a:off x="0" y="0"/>
-          <a:ext cx="0" cy="0"/>
-          <a:chOff x="0" y="0"/>
-          <a:chExt cx="0" cy="0"/>
-        </a:xfrm>
-      </p:grpSpPr>
-      <p:sp>
-        <p:nvSpPr>
-          <p:cNvPr id="5" name="標題 4"/>
-          <p:cNvSpPr>
-            <a:spLocks noGrp="1"/>
-          </p:cNvSpPr>
-          <p:nvPr>
-            <p:ph type="title"/>
-          </p:nvPr>
-        </p:nvSpPr>
-        <p:spPr/>
-        <p:txBody>
           <a:bodyPr>
             <a:normAutofit/>
           </a:bodyPr>
@@ -12399,7 +12267,7 @@
           <a:p>
             <a:fld id="{559912DE-8FD5-4315-9892-F61ECB571C36}" type="slidenum">
               <a:rPr lang="zh-TW" altLang="en-US" smtClean="0"/>
-              <a:t>29</a:t>
+              <a:t>28</a:t>
             </a:fld>
             <a:endParaRPr lang="zh-TW" altLang="en-US"/>
           </a:p>
@@ -12433,6 +12301,188 @@
     <p:extLst>
       <p:ext uri="{BB962C8B-B14F-4D97-AF65-F5344CB8AC3E}">
         <p14:creationId xmlns:p14="http://schemas.microsoft.com/office/powerpoint/2010/main" val="315869430"/>
+      </p:ext>
+    </p:extLst>
+  </p:cSld>
+  <p:clrMapOvr>
+    <a:masterClrMapping/>
+  </p:clrMapOvr>
+</p:sld>
+</file>
+
+<file path=ppt/slides/slide29.xml><?xml version="1.0" encoding="utf-8"?>
+<p:sld xmlns:a="http://schemas.openxmlformats.org/drawingml/2006/main" xmlns:r="http://schemas.openxmlformats.org/officeDocument/2006/relationships" xmlns:p="http://schemas.openxmlformats.org/presentationml/2006/main">
+  <p:cSld>
+    <p:spTree>
+      <p:nvGrpSpPr>
+        <p:cNvPr id="1" name=""/>
+        <p:cNvGrpSpPr/>
+        <p:nvPr/>
+      </p:nvGrpSpPr>
+      <p:grpSpPr>
+        <a:xfrm>
+          <a:off x="0" y="0"/>
+          <a:ext cx="0" cy="0"/>
+          <a:chOff x="0" y="0"/>
+          <a:chExt cx="0" cy="0"/>
+        </a:xfrm>
+      </p:grpSpPr>
+      <p:sp>
+        <p:nvSpPr>
+          <p:cNvPr id="5" name="標題 4"/>
+          <p:cNvSpPr>
+            <a:spLocks noGrp="1"/>
+          </p:cNvSpPr>
+          <p:nvPr>
+            <p:ph type="title"/>
+          </p:nvPr>
+        </p:nvSpPr>
+        <p:spPr/>
+        <p:txBody>
+          <a:bodyPr>
+            <a:normAutofit/>
+          </a:bodyPr>
+          <a:lstStyle/>
+          <a:p>
+            <a:pPr algn="ctr"/>
+            <a:r>
+              <a:rPr lang="zh-TW" altLang="en-US" sz="4000" b="1" dirty="0" smtClean="0">
+                <a:latin typeface="微軟正黑體" panose="020B0604030504040204" pitchFamily="34" charset="-120"/>
+                <a:ea typeface="微軟正黑體" panose="020B0604030504040204" pitchFamily="34" charset="-120"/>
+              </a:rPr>
+              <a:t>寫檔讀檔</a:t>
+            </a:r>
+            <a:endParaRPr lang="zh-TW" altLang="en-US" sz="4000" b="1" dirty="0">
+              <a:latin typeface="微軟正黑體" panose="020B0604030504040204" pitchFamily="34" charset="-120"/>
+              <a:ea typeface="微軟正黑體" panose="020B0604030504040204" pitchFamily="34" charset="-120"/>
+            </a:endParaRPr>
+          </a:p>
+        </p:txBody>
+      </p:sp>
+      <p:sp>
+        <p:nvSpPr>
+          <p:cNvPr id="6" name="內容版面配置區 5"/>
+          <p:cNvSpPr>
+            <a:spLocks noGrp="1"/>
+          </p:cNvSpPr>
+          <p:nvPr>
+            <p:ph idx="1"/>
+          </p:nvPr>
+        </p:nvSpPr>
+        <p:spPr/>
+        <p:txBody>
+          <a:bodyPr>
+            <a:normAutofit/>
+          </a:bodyPr>
+          <a:lstStyle/>
+          <a:p>
+            <a:r>
+              <a:rPr lang="en-US" altLang="zh-TW" sz="3200" dirty="0">
+                <a:latin typeface="微軟正黑體" panose="020B0604030504040204" pitchFamily="34" charset="-120"/>
+                <a:ea typeface="微軟正黑體" panose="020B0604030504040204" pitchFamily="34" charset="-120"/>
+              </a:rPr>
+              <a:t>file = open(“my file.txt", “r", </a:t>
+            </a:r>
+            <a:r>
+              <a:rPr lang="en-US" altLang="zh-TW" sz="3200" dirty="0">
+                <a:solidFill>
+                  <a:srgbClr val="FFFF00"/>
+                </a:solidFill>
+                <a:latin typeface="微軟正黑體" panose="020B0604030504040204" pitchFamily="34" charset="-120"/>
+                <a:ea typeface="微軟正黑體" panose="020B0604030504040204" pitchFamily="34" charset="-120"/>
+              </a:rPr>
+              <a:t>encoding='utf-8'</a:t>
+            </a:r>
+            <a:r>
+              <a:rPr lang="en-US" altLang="zh-TW" sz="3200" dirty="0">
+                <a:latin typeface="微軟正黑體" panose="020B0604030504040204" pitchFamily="34" charset="-120"/>
+                <a:ea typeface="微軟正黑體" panose="020B0604030504040204" pitchFamily="34" charset="-120"/>
+              </a:rPr>
+              <a:t>)</a:t>
+            </a:r>
+          </a:p>
+          <a:p>
+            <a:endParaRPr lang="en-US" altLang="zh-TW" sz="3200" dirty="0">
+              <a:latin typeface="微軟正黑體" panose="020B0604030504040204" pitchFamily="34" charset="-120"/>
+              <a:ea typeface="微軟正黑體" panose="020B0604030504040204" pitchFamily="34" charset="-120"/>
+            </a:endParaRPr>
+          </a:p>
+          <a:p>
+            <a:r>
+              <a:rPr lang="en-US" altLang="zh-TW" sz="3200" dirty="0" err="1">
+                <a:latin typeface="微軟正黑體" panose="020B0604030504040204" pitchFamily="34" charset="-120"/>
+                <a:ea typeface="微軟正黑體" panose="020B0604030504040204" pitchFamily="34" charset="-120"/>
+              </a:rPr>
+              <a:t>fo</a:t>
+            </a:r>
+            <a:r>
+              <a:rPr lang="en-US" altLang="zh-TW" sz="3200" dirty="0">
+                <a:latin typeface="微軟正黑體" panose="020B0604030504040204" pitchFamily="34" charset="-120"/>
+                <a:ea typeface="微軟正黑體" panose="020B0604030504040204" pitchFamily="34" charset="-120"/>
+              </a:rPr>
+              <a:t> = open(“test.txt", "w", </a:t>
+            </a:r>
+            <a:r>
+              <a:rPr lang="en-US" altLang="zh-TW" sz="3200" dirty="0">
+                <a:solidFill>
+                  <a:srgbClr val="FFFF00"/>
+                </a:solidFill>
+                <a:latin typeface="微軟正黑體" panose="020B0604030504040204" pitchFamily="34" charset="-120"/>
+                <a:ea typeface="微軟正黑體" panose="020B0604030504040204" pitchFamily="34" charset="-120"/>
+              </a:rPr>
+              <a:t>encoding='utf-8</a:t>
+            </a:r>
+            <a:r>
+              <a:rPr lang="en-US" altLang="zh-TW" sz="3200" dirty="0" smtClean="0">
+                <a:solidFill>
+                  <a:srgbClr val="FFFF00"/>
+                </a:solidFill>
+                <a:latin typeface="微軟正黑體" panose="020B0604030504040204" pitchFamily="34" charset="-120"/>
+                <a:ea typeface="微軟正黑體" panose="020B0604030504040204" pitchFamily="34" charset="-120"/>
+              </a:rPr>
+              <a:t>'</a:t>
+            </a:r>
+            <a:r>
+              <a:rPr lang="en-US" altLang="zh-TW" sz="3200" dirty="0" smtClean="0">
+                <a:latin typeface="微軟正黑體" panose="020B0604030504040204" pitchFamily="34" charset="-120"/>
+                <a:ea typeface="微軟正黑體" panose="020B0604030504040204" pitchFamily="34" charset="-120"/>
+              </a:rPr>
+              <a:t>)</a:t>
+            </a:r>
+            <a:endParaRPr lang="en-US" altLang="zh-TW" sz="3200" dirty="0">
+              <a:latin typeface="微軟正黑體" panose="020B0604030504040204" pitchFamily="34" charset="-120"/>
+              <a:ea typeface="微軟正黑體" panose="020B0604030504040204" pitchFamily="34" charset="-120"/>
+            </a:endParaRPr>
+          </a:p>
+        </p:txBody>
+      </p:sp>
+      <p:sp>
+        <p:nvSpPr>
+          <p:cNvPr id="4" name="投影片編號版面配置區 3"/>
+          <p:cNvSpPr>
+            <a:spLocks noGrp="1"/>
+          </p:cNvSpPr>
+          <p:nvPr>
+            <p:ph type="sldNum" sz="quarter" idx="12"/>
+          </p:nvPr>
+        </p:nvSpPr>
+        <p:spPr/>
+        <p:txBody>
+          <a:bodyPr/>
+          <a:lstStyle/>
+          <a:p>
+            <a:fld id="{559912DE-8FD5-4315-9892-F61ECB571C36}" type="slidenum">
+              <a:rPr lang="zh-TW" altLang="en-US" smtClean="0"/>
+              <a:t>29</a:t>
+            </a:fld>
+            <a:endParaRPr lang="zh-TW" altLang="en-US"/>
+          </a:p>
+        </p:txBody>
+      </p:sp>
+    </p:spTree>
+    <p:extLst>
+      <p:ext uri="{BB962C8B-B14F-4D97-AF65-F5344CB8AC3E}">
+        <p14:creationId xmlns:p14="http://schemas.microsoft.com/office/powerpoint/2010/main" val="923597483"/>
       </p:ext>
     </p:extLst>
   </p:cSld>
@@ -12562,188 +12612,6 @@
 </file>
 
 <file path=ppt/slides/slide30.xml><?xml version="1.0" encoding="utf-8"?>
-<p:sld xmlns:a="http://schemas.openxmlformats.org/drawingml/2006/main" xmlns:r="http://schemas.openxmlformats.org/officeDocument/2006/relationships" xmlns:p="http://schemas.openxmlformats.org/presentationml/2006/main">
-  <p:cSld>
-    <p:spTree>
-      <p:nvGrpSpPr>
-        <p:cNvPr id="1" name=""/>
-        <p:cNvGrpSpPr/>
-        <p:nvPr/>
-      </p:nvGrpSpPr>
-      <p:grpSpPr>
-        <a:xfrm>
-          <a:off x="0" y="0"/>
-          <a:ext cx="0" cy="0"/>
-          <a:chOff x="0" y="0"/>
-          <a:chExt cx="0" cy="0"/>
-        </a:xfrm>
-      </p:grpSpPr>
-      <p:sp>
-        <p:nvSpPr>
-          <p:cNvPr id="5" name="標題 4"/>
-          <p:cNvSpPr>
-            <a:spLocks noGrp="1"/>
-          </p:cNvSpPr>
-          <p:nvPr>
-            <p:ph type="title"/>
-          </p:nvPr>
-        </p:nvSpPr>
-        <p:spPr/>
-        <p:txBody>
-          <a:bodyPr>
-            <a:normAutofit/>
-          </a:bodyPr>
-          <a:lstStyle/>
-          <a:p>
-            <a:pPr algn="ctr"/>
-            <a:r>
-              <a:rPr lang="zh-TW" altLang="en-US" sz="4000" b="1" dirty="0" smtClean="0">
-                <a:latin typeface="微軟正黑體" panose="020B0604030504040204" pitchFamily="34" charset="-120"/>
-                <a:ea typeface="微軟正黑體" panose="020B0604030504040204" pitchFamily="34" charset="-120"/>
-              </a:rPr>
-              <a:t>寫檔讀檔</a:t>
-            </a:r>
-            <a:endParaRPr lang="zh-TW" altLang="en-US" sz="4000" b="1" dirty="0">
-              <a:latin typeface="微軟正黑體" panose="020B0604030504040204" pitchFamily="34" charset="-120"/>
-              <a:ea typeface="微軟正黑體" panose="020B0604030504040204" pitchFamily="34" charset="-120"/>
-            </a:endParaRPr>
-          </a:p>
-        </p:txBody>
-      </p:sp>
-      <p:sp>
-        <p:nvSpPr>
-          <p:cNvPr id="6" name="內容版面配置區 5"/>
-          <p:cNvSpPr>
-            <a:spLocks noGrp="1"/>
-          </p:cNvSpPr>
-          <p:nvPr>
-            <p:ph idx="1"/>
-          </p:nvPr>
-        </p:nvSpPr>
-        <p:spPr/>
-        <p:txBody>
-          <a:bodyPr>
-            <a:normAutofit/>
-          </a:bodyPr>
-          <a:lstStyle/>
-          <a:p>
-            <a:r>
-              <a:rPr lang="en-US" altLang="zh-TW" sz="3200" dirty="0">
-                <a:latin typeface="微軟正黑體" panose="020B0604030504040204" pitchFamily="34" charset="-120"/>
-                <a:ea typeface="微軟正黑體" panose="020B0604030504040204" pitchFamily="34" charset="-120"/>
-              </a:rPr>
-              <a:t>file = open(“my file.txt", “r", </a:t>
-            </a:r>
-            <a:r>
-              <a:rPr lang="en-US" altLang="zh-TW" sz="3200" dirty="0">
-                <a:solidFill>
-                  <a:srgbClr val="FFFF00"/>
-                </a:solidFill>
-                <a:latin typeface="微軟正黑體" panose="020B0604030504040204" pitchFamily="34" charset="-120"/>
-                <a:ea typeface="微軟正黑體" panose="020B0604030504040204" pitchFamily="34" charset="-120"/>
-              </a:rPr>
-              <a:t>encoding='utf-8'</a:t>
-            </a:r>
-            <a:r>
-              <a:rPr lang="en-US" altLang="zh-TW" sz="3200" dirty="0">
-                <a:latin typeface="微軟正黑體" panose="020B0604030504040204" pitchFamily="34" charset="-120"/>
-                <a:ea typeface="微軟正黑體" panose="020B0604030504040204" pitchFamily="34" charset="-120"/>
-              </a:rPr>
-              <a:t>)</a:t>
-            </a:r>
-          </a:p>
-          <a:p>
-            <a:endParaRPr lang="en-US" altLang="zh-TW" sz="3200" dirty="0">
-              <a:latin typeface="微軟正黑體" panose="020B0604030504040204" pitchFamily="34" charset="-120"/>
-              <a:ea typeface="微軟正黑體" panose="020B0604030504040204" pitchFamily="34" charset="-120"/>
-            </a:endParaRPr>
-          </a:p>
-          <a:p>
-            <a:r>
-              <a:rPr lang="en-US" altLang="zh-TW" sz="3200" dirty="0" err="1">
-                <a:latin typeface="微軟正黑體" panose="020B0604030504040204" pitchFamily="34" charset="-120"/>
-                <a:ea typeface="微軟正黑體" panose="020B0604030504040204" pitchFamily="34" charset="-120"/>
-              </a:rPr>
-              <a:t>fo</a:t>
-            </a:r>
-            <a:r>
-              <a:rPr lang="en-US" altLang="zh-TW" sz="3200" dirty="0">
-                <a:latin typeface="微軟正黑體" panose="020B0604030504040204" pitchFamily="34" charset="-120"/>
-                <a:ea typeface="微軟正黑體" panose="020B0604030504040204" pitchFamily="34" charset="-120"/>
-              </a:rPr>
-              <a:t> = open(“test.txt", "w", </a:t>
-            </a:r>
-            <a:r>
-              <a:rPr lang="en-US" altLang="zh-TW" sz="3200" dirty="0">
-                <a:solidFill>
-                  <a:srgbClr val="FFFF00"/>
-                </a:solidFill>
-                <a:latin typeface="微軟正黑體" panose="020B0604030504040204" pitchFamily="34" charset="-120"/>
-                <a:ea typeface="微軟正黑體" panose="020B0604030504040204" pitchFamily="34" charset="-120"/>
-              </a:rPr>
-              <a:t>encoding='utf-8</a:t>
-            </a:r>
-            <a:r>
-              <a:rPr lang="en-US" altLang="zh-TW" sz="3200" dirty="0" smtClean="0">
-                <a:solidFill>
-                  <a:srgbClr val="FFFF00"/>
-                </a:solidFill>
-                <a:latin typeface="微軟正黑體" panose="020B0604030504040204" pitchFamily="34" charset="-120"/>
-                <a:ea typeface="微軟正黑體" panose="020B0604030504040204" pitchFamily="34" charset="-120"/>
-              </a:rPr>
-              <a:t>'</a:t>
-            </a:r>
-            <a:r>
-              <a:rPr lang="en-US" altLang="zh-TW" sz="3200" dirty="0" smtClean="0">
-                <a:latin typeface="微軟正黑體" panose="020B0604030504040204" pitchFamily="34" charset="-120"/>
-                <a:ea typeface="微軟正黑體" panose="020B0604030504040204" pitchFamily="34" charset="-120"/>
-              </a:rPr>
-              <a:t>)</a:t>
-            </a:r>
-            <a:endParaRPr lang="en-US" altLang="zh-TW" sz="3200" dirty="0">
-              <a:latin typeface="微軟正黑體" panose="020B0604030504040204" pitchFamily="34" charset="-120"/>
-              <a:ea typeface="微軟正黑體" panose="020B0604030504040204" pitchFamily="34" charset="-120"/>
-            </a:endParaRPr>
-          </a:p>
-        </p:txBody>
-      </p:sp>
-      <p:sp>
-        <p:nvSpPr>
-          <p:cNvPr id="4" name="投影片編號版面配置區 3"/>
-          <p:cNvSpPr>
-            <a:spLocks noGrp="1"/>
-          </p:cNvSpPr>
-          <p:nvPr>
-            <p:ph type="sldNum" sz="quarter" idx="12"/>
-          </p:nvPr>
-        </p:nvSpPr>
-        <p:spPr/>
-        <p:txBody>
-          <a:bodyPr/>
-          <a:lstStyle/>
-          <a:p>
-            <a:fld id="{559912DE-8FD5-4315-9892-F61ECB571C36}" type="slidenum">
-              <a:rPr lang="zh-TW" altLang="en-US" smtClean="0"/>
-              <a:t>30</a:t>
-            </a:fld>
-            <a:endParaRPr lang="zh-TW" altLang="en-US"/>
-          </a:p>
-        </p:txBody>
-      </p:sp>
-    </p:spTree>
-    <p:extLst>
-      <p:ext uri="{BB962C8B-B14F-4D97-AF65-F5344CB8AC3E}">
-        <p14:creationId xmlns:p14="http://schemas.microsoft.com/office/powerpoint/2010/main" val="923597483"/>
-      </p:ext>
-    </p:extLst>
-  </p:cSld>
-  <p:clrMapOvr>
-    <a:masterClrMapping/>
-  </p:clrMapOvr>
-</p:sld>
-</file>
-
-<file path=ppt/slides/slide31.xml><?xml version="1.0" encoding="utf-8"?>
 <p:sld xmlns:a="http://schemas.openxmlformats.org/drawingml/2006/main" xmlns:r="http://schemas.openxmlformats.org/officeDocument/2006/relationships" xmlns:p="http://schemas.openxmlformats.org/presentationml/2006/main">
   <p:cSld>
     <p:spTree>
